--- a/slides/Node & Backbone Slides Day 2.pptx
+++ b/slides/Node & Backbone Slides Day 2.pptx
@@ -7,21 +7,16 @@
   <p:sldIdLst>
     <p:sldId id="256" r:id="rId2"/>
     <p:sldId id="258" r:id="rId3"/>
-    <p:sldId id="283" r:id="rId4"/>
-    <p:sldId id="284" r:id="rId5"/>
-    <p:sldId id="285" r:id="rId6"/>
-    <p:sldId id="286" r:id="rId7"/>
-    <p:sldId id="287" r:id="rId8"/>
-    <p:sldId id="288" r:id="rId9"/>
-    <p:sldId id="289" r:id="rId10"/>
-    <p:sldId id="290" r:id="rId11"/>
-    <p:sldId id="292" r:id="rId12"/>
-    <p:sldId id="291" r:id="rId13"/>
-    <p:sldId id="293" r:id="rId14"/>
-    <p:sldId id="294" r:id="rId15"/>
-    <p:sldId id="295" r:id="rId16"/>
-    <p:sldId id="296" r:id="rId17"/>
-    <p:sldId id="297" r:id="rId18"/>
+    <p:sldId id="259" r:id="rId4"/>
+    <p:sldId id="260" r:id="rId5"/>
+    <p:sldId id="261" r:id="rId6"/>
+    <p:sldId id="262" r:id="rId7"/>
+    <p:sldId id="263" r:id="rId8"/>
+    <p:sldId id="265" r:id="rId9"/>
+    <p:sldId id="266" r:id="rId10"/>
+    <p:sldId id="267" r:id="rId11"/>
+    <p:sldId id="268" r:id="rId12"/>
+    <p:sldId id="269" r:id="rId13"/>
   </p:sldIdLst>
   <p:sldSz cx="9144000" cy="6858000" type="screen4x3"/>
   <p:notesSz cx="6858000" cy="9144000"/>
@@ -304,7 +299,7 @@
           <a:p>
             <a:fld id="{6BFECD78-3C8E-49F2-8FAB-59489D168ABB}" type="datetimeFigureOut">
               <a:rPr lang="en-US" smtClean="0"/>
-              <a:t>8/22/16</a:t>
+              <a:t>8/23/16</a:t>
             </a:fld>
             <a:endParaRPr lang="en-US"/>
           </a:p>
@@ -474,7 +469,7 @@
           <a:p>
             <a:fld id="{6BFECD78-3C8E-49F2-8FAB-59489D168ABB}" type="datetimeFigureOut">
               <a:rPr lang="en-US" smtClean="0"/>
-              <a:t>8/22/16</a:t>
+              <a:t>8/23/16</a:t>
             </a:fld>
             <a:endParaRPr lang="en-US"/>
           </a:p>
@@ -654,7 +649,7 @@
           <a:p>
             <a:fld id="{6BFECD78-3C8E-49F2-8FAB-59489D168ABB}" type="datetimeFigureOut">
               <a:rPr lang="en-US" smtClean="0"/>
-              <a:t>8/22/16</a:t>
+              <a:t>8/23/16</a:t>
             </a:fld>
             <a:endParaRPr lang="en-US"/>
           </a:p>
@@ -824,7 +819,7 @@
           <a:p>
             <a:fld id="{6BFECD78-3C8E-49F2-8FAB-59489D168ABB}" type="datetimeFigureOut">
               <a:rPr lang="en-US" smtClean="0"/>
-              <a:t>8/22/16</a:t>
+              <a:t>8/23/16</a:t>
             </a:fld>
             <a:endParaRPr lang="en-US"/>
           </a:p>
@@ -1070,7 +1065,7 @@
           <a:p>
             <a:fld id="{6BFECD78-3C8E-49F2-8FAB-59489D168ABB}" type="datetimeFigureOut">
               <a:rPr lang="en-US" smtClean="0"/>
-              <a:t>8/22/16</a:t>
+              <a:t>8/23/16</a:t>
             </a:fld>
             <a:endParaRPr lang="en-US"/>
           </a:p>
@@ -1358,7 +1353,7 @@
           <a:p>
             <a:fld id="{6BFECD78-3C8E-49F2-8FAB-59489D168ABB}" type="datetimeFigureOut">
               <a:rPr lang="en-US" smtClean="0"/>
-              <a:t>8/22/16</a:t>
+              <a:t>8/23/16</a:t>
             </a:fld>
             <a:endParaRPr lang="en-US"/>
           </a:p>
@@ -1780,7 +1775,7 @@
           <a:p>
             <a:fld id="{6BFECD78-3C8E-49F2-8FAB-59489D168ABB}" type="datetimeFigureOut">
               <a:rPr lang="en-US" smtClean="0"/>
-              <a:t>8/22/16</a:t>
+              <a:t>8/23/16</a:t>
             </a:fld>
             <a:endParaRPr lang="en-US"/>
           </a:p>
@@ -1898,7 +1893,7 @@
           <a:p>
             <a:fld id="{6BFECD78-3C8E-49F2-8FAB-59489D168ABB}" type="datetimeFigureOut">
               <a:rPr lang="en-US" smtClean="0"/>
-              <a:t>8/22/16</a:t>
+              <a:t>8/23/16</a:t>
             </a:fld>
             <a:endParaRPr lang="en-US"/>
           </a:p>
@@ -1993,7 +1988,7 @@
           <a:p>
             <a:fld id="{6BFECD78-3C8E-49F2-8FAB-59489D168ABB}" type="datetimeFigureOut">
               <a:rPr lang="en-US" smtClean="0"/>
-              <a:t>8/22/16</a:t>
+              <a:t>8/23/16</a:t>
             </a:fld>
             <a:endParaRPr lang="en-US"/>
           </a:p>
@@ -2270,7 +2265,7 @@
           <a:p>
             <a:fld id="{6BFECD78-3C8E-49F2-8FAB-59489D168ABB}" type="datetimeFigureOut">
               <a:rPr lang="en-US" smtClean="0"/>
-              <a:t>8/22/16</a:t>
+              <a:t>8/23/16</a:t>
             </a:fld>
             <a:endParaRPr lang="en-US"/>
           </a:p>
@@ -2527,7 +2522,7 @@
           <a:p>
             <a:fld id="{6BFECD78-3C8E-49F2-8FAB-59489D168ABB}" type="datetimeFigureOut">
               <a:rPr lang="en-US" smtClean="0"/>
-              <a:t>8/22/16</a:t>
+              <a:t>8/23/16</a:t>
             </a:fld>
             <a:endParaRPr lang="en-US"/>
           </a:p>
@@ -2740,7 +2735,7 @@
           <a:p>
             <a:fld id="{6BFECD78-3C8E-49F2-8FAB-59489D168ABB}" type="datetimeFigureOut">
               <a:rPr lang="en-US" smtClean="0"/>
-              <a:t>8/22/16</a:t>
+              <a:t>8/23/16</a:t>
             </a:fld>
             <a:endParaRPr lang="en-US"/>
           </a:p>
@@ -3235,12 +3230,8 @@
           <a:lstStyle/>
           <a:p>
             <a:r>
-              <a:rPr lang="en-US" dirty="0"/>
-              <a:t>Backbone intro: </a:t>
-            </a:r>
-            <a:r>
               <a:rPr lang="en-US" dirty="0" smtClean="0"/>
-              <a:t>Dependencies</a:t>
+              <a:t>Lab: CORS</a:t>
             </a:r>
             <a:endParaRPr lang="en-US" dirty="0"/>
           </a:p>
@@ -3268,180 +3259,48 @@
           </a:bodyPr>
           <a:lstStyle/>
           <a:p>
-            <a:pPr marL="342900" indent="-342900" algn="l">
-              <a:buFont typeface="Arial"/>
-              <a:buChar char="•"/>
-            </a:pPr>
-            <a:r>
-              <a:rPr lang="en-US" sz="2000" dirty="0" smtClean="0"/>
-              <a:t>Backbone is built on top of </a:t>
-            </a:r>
-            <a:r>
-              <a:rPr lang="en-US" sz="2000" dirty="0" err="1" smtClean="0"/>
-              <a:t>jQuery</a:t>
-            </a:r>
-            <a:r>
-              <a:rPr lang="en-US" sz="2000" dirty="0" smtClean="0"/>
-              <a:t> and Underscore</a:t>
-            </a:r>
-          </a:p>
-          <a:p>
-            <a:pPr marL="800100" lvl="1" indent="-342900" algn="l">
-              <a:buFont typeface="Arial"/>
-              <a:buChar char="•"/>
-            </a:pPr>
-            <a:r>
-              <a:rPr lang="en-US" sz="1600" dirty="0" smtClean="0"/>
-              <a:t>They have to be loaded in global scope before Backbone</a:t>
-            </a:r>
-          </a:p>
-          <a:p>
-            <a:pPr marL="800100" lvl="1" indent="-342900" algn="l">
-              <a:buFont typeface="Arial"/>
-              <a:buChar char="•"/>
-            </a:pPr>
-            <a:r>
-              <a:rPr lang="en-US" sz="1600" dirty="0" smtClean="0"/>
-              <a:t>Serial script tags is one way to do this</a:t>
-            </a:r>
-          </a:p>
-          <a:p>
-            <a:pPr marL="800100" lvl="1" indent="-342900" algn="l">
-              <a:buFont typeface="Arial"/>
-              <a:buChar char="•"/>
-            </a:pPr>
-            <a:r>
-              <a:rPr lang="en-US" sz="1600" dirty="0" smtClean="0"/>
-              <a:t>Concatenating into a single download file is another </a:t>
-            </a:r>
-          </a:p>
-          <a:p>
-            <a:pPr marL="342900" indent="-342900" algn="l">
-              <a:buFont typeface="Arial"/>
-              <a:buChar char="•"/>
-            </a:pPr>
-            <a:r>
-              <a:rPr lang="en-US" sz="2000" dirty="0" smtClean="0"/>
-              <a:t>These methods work fine if dependency relations are few and simple</a:t>
-            </a:r>
-          </a:p>
-          <a:p>
-            <a:pPr marL="342900" indent="-342900" algn="l">
-              <a:buFont typeface="Arial"/>
-              <a:buChar char="•"/>
-            </a:pPr>
-            <a:r>
-              <a:rPr lang="en-US" sz="2000" dirty="0" smtClean="0"/>
-              <a:t>More complicated situations:</a:t>
-            </a:r>
-          </a:p>
-          <a:p>
-            <a:pPr marL="800100" lvl="1" indent="-342900" algn="l">
-              <a:buFont typeface="Arial"/>
-              <a:buChar char="•"/>
-            </a:pPr>
-            <a:r>
-              <a:rPr lang="en-US" sz="1600" dirty="0" smtClean="0"/>
-              <a:t>Your app will plug into a hosted page, and you want to use </a:t>
-            </a:r>
-            <a:r>
-              <a:rPr lang="en-US" sz="1600" dirty="0" err="1" smtClean="0"/>
-              <a:t>jQuery</a:t>
-            </a:r>
-            <a:r>
-              <a:rPr lang="en-US" sz="1600" dirty="0" smtClean="0"/>
+            <a:pPr algn="l"/>
+            <a:r>
+              <a:rPr lang="en-US" sz="2400" dirty="0"/>
+              <a:t> - Set up client-side AJAX call</a:t>
+            </a:r>
+          </a:p>
+          <a:p>
+            <a:pPr algn="l"/>
+            <a:r>
+              <a:rPr lang="en-US" sz="2400" dirty="0"/>
+              <a:t> - Implement CORS headers server-</a:t>
+            </a:r>
+            <a:r>
+              <a:rPr lang="en-US" sz="2400" dirty="0" smtClean="0"/>
+              <a:t>side</a:t>
+            </a:r>
+          </a:p>
+          <a:p>
+            <a:pPr algn="l"/>
+            <a:r>
+              <a:rPr lang="en-US" sz="2400" dirty="0"/>
               <a:t> </a:t>
             </a:r>
             <a:r>
-              <a:rPr lang="en-US" sz="1600" dirty="0"/>
-              <a:t>if </a:t>
-            </a:r>
-            <a:r>
-              <a:rPr lang="en-US" sz="1600" dirty="0" smtClean="0"/>
-              <a:t>already loaded </a:t>
-            </a:r>
-          </a:p>
-          <a:p>
-            <a:pPr marL="800100" lvl="1" indent="-342900" algn="l">
-              <a:buFont typeface="Arial"/>
-              <a:buChar char="•"/>
-            </a:pPr>
-            <a:r>
-              <a:rPr lang="en-US" sz="1600" dirty="0" smtClean="0"/>
-              <a:t>Some </a:t>
-            </a:r>
-            <a:r>
-              <a:rPr lang="en-US" sz="1600" dirty="0" err="1" smtClean="0"/>
-              <a:t>jQuery</a:t>
-            </a:r>
-            <a:r>
-              <a:rPr lang="en-US" sz="1600" dirty="0" smtClean="0"/>
-              <a:t> plugin you want to use depends on Underscore, but some Backbone plugin you're already using breaks if </a:t>
-            </a:r>
-            <a:r>
-              <a:rPr lang="en-US" sz="1600" dirty="0" err="1" smtClean="0"/>
-              <a:t>jQuery</a:t>
-            </a:r>
-            <a:r>
-              <a:rPr lang="en-US" sz="1600" dirty="0" smtClean="0"/>
-              <a:t> isn't loaded first</a:t>
-            </a:r>
-          </a:p>
-          <a:p>
-            <a:pPr marL="342900" indent="-342900" algn="l">
-              <a:buFont typeface="Arial"/>
-              <a:buChar char="•"/>
-            </a:pPr>
-            <a:r>
-              <a:rPr lang="en-US" sz="2000" dirty="0" smtClean="0"/>
-              <a:t>Script loaders are usually the solution to these problems</a:t>
-            </a:r>
-          </a:p>
-          <a:p>
-            <a:pPr marL="800100" lvl="1" indent="-342900" algn="l">
-              <a:buFont typeface="Arial"/>
-              <a:buChar char="•"/>
-            </a:pPr>
-            <a:r>
-              <a:rPr lang="en-US" sz="1600" dirty="0" err="1" smtClean="0"/>
-              <a:t>RequireJS</a:t>
-            </a:r>
-            <a:endParaRPr lang="en-US" sz="1600" dirty="0" smtClean="0"/>
-          </a:p>
-          <a:p>
-            <a:pPr marL="800100" lvl="1" indent="-342900" algn="l">
-              <a:buFont typeface="Arial"/>
-              <a:buChar char="•"/>
-            </a:pPr>
-            <a:r>
-              <a:rPr lang="en-US" sz="1600" dirty="0" err="1" smtClean="0"/>
-              <a:t>Webpack</a:t>
-            </a:r>
-            <a:endParaRPr lang="en-US" sz="1600" dirty="0" smtClean="0"/>
-          </a:p>
-          <a:p>
-            <a:pPr marL="342900" indent="-342900" algn="l">
-              <a:buFont typeface="Arial"/>
-              <a:buChar char="•"/>
-            </a:pPr>
-            <a:r>
-              <a:rPr lang="en-US" sz="2000" dirty="0" smtClean="0"/>
-              <a:t>Backbone does not support AMD, so YMMV</a:t>
-            </a:r>
-          </a:p>
-          <a:p>
-            <a:pPr marL="342900" indent="-342900" algn="l">
-              <a:buFont typeface="Arial"/>
-              <a:buChar char="•"/>
-            </a:pPr>
-            <a:endParaRPr lang="en-US" sz="2000" dirty="0"/>
+              <a:rPr lang="en-US" sz="2400" dirty="0" smtClean="0"/>
+              <a:t>- 90 </a:t>
+            </a:r>
+            <a:r>
+              <a:rPr lang="en-US" sz="2400" dirty="0" err="1" smtClean="0"/>
+              <a:t>mins</a:t>
+            </a:r>
+            <a:r>
+              <a:rPr lang="en-US" sz="2400" dirty="0" smtClean="0"/>
+              <a:t>, then 15 min break</a:t>
+            </a:r>
           </a:p>
         </p:txBody>
       </p:sp>
     </p:spTree>
     <p:extLst>
       <p:ext uri="{BB962C8B-B14F-4D97-AF65-F5344CB8AC3E}">
-        <p14:creationId xmlns:p14="http://schemas.microsoft.com/office/powerpoint/2010/main" val="3594986684"/>
+        <p14:creationId xmlns:p14="http://schemas.microsoft.com/office/powerpoint/2010/main" val="2364635783"/>
       </p:ext>
     </p:extLst>
   </p:cSld>
@@ -3496,8 +3355,12 @@
           <a:lstStyle/>
           <a:p>
             <a:r>
-              <a:rPr lang="en-US" dirty="0"/>
-              <a:t>Intro to underscore</a:t>
+              <a:rPr lang="en-US" dirty="0" err="1" smtClean="0"/>
+              <a:t>RESTful</a:t>
+            </a:r>
+            <a:r>
+              <a:rPr lang="en-US" dirty="0" smtClean="0"/>
+              <a:t> APIs</a:t>
             </a:r>
             <a:endParaRPr lang="en-US" dirty="0"/>
           </a:p>
@@ -3525,38 +3388,18 @@
           </a:bodyPr>
           <a:lstStyle/>
           <a:p>
-            <a:pPr algn="l"/>
-            <a:r>
-              <a:rPr lang="en-US" sz="2000" dirty="0" smtClean="0"/>
-              <a:t>Utility methods</a:t>
-            </a:r>
-          </a:p>
-          <a:p>
             <a:pPr marL="342900" indent="-342900" algn="l">
               <a:buFont typeface="Arial"/>
               <a:buChar char="•"/>
             </a:pPr>
             <a:r>
-              <a:rPr lang="en-US" sz="2000" dirty="0"/>
-              <a:t>_</a:t>
-            </a:r>
-            <a:r>
-              <a:rPr lang="en-US" sz="2000" dirty="0" smtClean="0"/>
-              <a:t>.</a:t>
-            </a:r>
-            <a:r>
-              <a:rPr lang="en-US" sz="2000" dirty="0" err="1" smtClean="0"/>
-              <a:t>isEmpty</a:t>
-            </a:r>
-            <a:r>
-              <a:rPr lang="en-US" sz="2000" dirty="0" smtClean="0"/>
-              <a:t>(</a:t>
-            </a:r>
-            <a:r>
-              <a:rPr lang="en-US" sz="2000" dirty="0"/>
-              <a:t>value) </a:t>
-            </a:r>
-            <a:endParaRPr lang="en-US" sz="2000" dirty="0" smtClean="0"/>
+              <a:rPr lang="en-US" sz="2400" dirty="0" err="1" smtClean="0"/>
+              <a:t>REpresentational</a:t>
+            </a:r>
+            <a:r>
+              <a:rPr lang="en-US" sz="2400" dirty="0" smtClean="0"/>
+              <a:t> State Transfer</a:t>
+            </a:r>
           </a:p>
           <a:p>
             <a:pPr marL="342900" indent="-342900" algn="l">
@@ -3564,10 +3407,9 @@
               <a:buChar char="•"/>
             </a:pPr>
             <a:r>
-              <a:rPr lang="en-US" sz="2000" dirty="0"/>
-              <a:t>_.random(min, max) </a:t>
-            </a:r>
-            <a:endParaRPr lang="en-US" sz="2000" dirty="0" smtClean="0"/>
+              <a:rPr lang="en-US" sz="2400" dirty="0" smtClean="0"/>
+              <a:t>A style rather than a technology</a:t>
+            </a:r>
           </a:p>
           <a:p>
             <a:pPr marL="342900" indent="-342900" algn="l">
@@ -3575,10 +3417,13 @@
               <a:buChar char="•"/>
             </a:pPr>
             <a:r>
-              <a:rPr lang="en-US" sz="2000" dirty="0"/>
-              <a:t>_.keys(object) </a:t>
-            </a:r>
-            <a:endParaRPr lang="en-US" sz="2000" dirty="0" smtClean="0"/>
+              <a:rPr lang="en-US" sz="2400" dirty="0"/>
+              <a:t>Allows clients to discover server </a:t>
+            </a:r>
+            <a:r>
+              <a:rPr lang="en-US" sz="2400" dirty="0" smtClean="0"/>
+              <a:t>resources</a:t>
+            </a:r>
           </a:p>
           <a:p>
             <a:pPr marL="342900" indent="-342900" algn="l">
@@ -3586,26 +3431,9 @@
               <a:buChar char="•"/>
             </a:pPr>
             <a:r>
-              <a:rPr lang="en-US" sz="2000" dirty="0"/>
-              <a:t>_.</a:t>
-            </a:r>
-            <a:r>
-              <a:rPr lang="en-US" sz="2000" dirty="0" err="1"/>
-              <a:t>sortedIndex</a:t>
-            </a:r>
-            <a:r>
-              <a:rPr lang="en-US" sz="2000" dirty="0"/>
-              <a:t>(list, value, [</a:t>
-            </a:r>
-            <a:r>
-              <a:rPr lang="en-US" sz="2000" dirty="0" err="1"/>
-              <a:t>iteratee</a:t>
-            </a:r>
-            <a:r>
-              <a:rPr lang="en-US" sz="2000" dirty="0"/>
-              <a:t>], [context]) </a:t>
-            </a:r>
-            <a:endParaRPr lang="en-US" sz="2000" dirty="0" smtClean="0"/>
+              <a:rPr lang="en-US" sz="2400" dirty="0" smtClean="0"/>
+              <a:t>Kind of how the web "just works" – like clicking links</a:t>
+            </a:r>
           </a:p>
           <a:p>
             <a:pPr marL="342900" indent="-342900" algn="l">
@@ -3613,20 +3441,16 @@
               <a:buChar char="•"/>
             </a:pPr>
             <a:r>
-              <a:rPr lang="en-US" sz="2000" dirty="0"/>
-              <a:t>_.</a:t>
-            </a:r>
-            <a:r>
-              <a:rPr lang="en-US" sz="2000" dirty="0" err="1"/>
-              <a:t>debounce</a:t>
-            </a:r>
-            <a:r>
-              <a:rPr lang="en-US" sz="2000" dirty="0"/>
-              <a:t>(function, wait, [immediate]</a:t>
-            </a:r>
-            <a:r>
-              <a:rPr lang="en-US" sz="2000" dirty="0" smtClean="0"/>
-              <a:t>)</a:t>
+              <a:rPr lang="en-US" sz="2400" dirty="0" smtClean="0"/>
+              <a:t>Simple, </a:t>
+            </a:r>
+            <a:r>
+              <a:rPr lang="en-US" sz="2400" dirty="0" err="1" smtClean="0"/>
+              <a:t>perfomant</a:t>
+            </a:r>
+            <a:r>
+              <a:rPr lang="en-US" sz="2400" dirty="0" smtClean="0"/>
+              <a:t>, scalable, simple, modifiable</a:t>
             </a:r>
           </a:p>
           <a:p>
@@ -3635,39 +3459,73 @@
               <a:buChar char="•"/>
             </a:pPr>
             <a:r>
-              <a:rPr lang="en-US" sz="2000" dirty="0"/>
-              <a:t>_.template(</a:t>
-            </a:r>
-            <a:r>
-              <a:rPr lang="en-US" sz="2000" dirty="0" err="1"/>
-              <a:t>templateString</a:t>
-            </a:r>
-            <a:r>
-              <a:rPr lang="en-US" sz="2000" dirty="0"/>
-              <a:t>, [settings]) </a:t>
-            </a:r>
-            <a:endParaRPr lang="en-US" sz="2000" dirty="0" smtClean="0"/>
+              <a:rPr lang="en-US" sz="2400" dirty="0" smtClean="0"/>
+              <a:t>Did I mention it's simple? </a:t>
+            </a:r>
+            <a:r>
+              <a:rPr lang="en-US" sz="2400" dirty="0" smtClean="0"/>
+              <a:t>Opposite of SOAP</a:t>
+            </a:r>
           </a:p>
           <a:p>
             <a:pPr marL="342900" indent="-342900" algn="l">
               <a:buFont typeface="Arial"/>
               <a:buChar char="•"/>
             </a:pPr>
-            <a:endParaRPr lang="en-US" sz="2000" dirty="0"/>
+            <a:r>
+              <a:rPr lang="en-US" sz="2400" dirty="0" smtClean="0"/>
+              <a:t>Start </a:t>
+            </a:r>
+            <a:r>
+              <a:rPr lang="en-US" sz="2400" dirty="0" smtClean="0"/>
+              <a:t>with a GET to </a:t>
+            </a:r>
+            <a:r>
+              <a:rPr lang="en-US" sz="2400" dirty="0"/>
+              <a:t>a base URL, such as </a:t>
+            </a:r>
+            <a:r>
+              <a:rPr lang="en-US" sz="2400" dirty="0" smtClean="0"/>
+              <a:t>/resources</a:t>
+            </a:r>
           </a:p>
           <a:p>
             <a:pPr marL="342900" indent="-342900" algn="l">
               <a:buFont typeface="Arial"/>
               <a:buChar char="•"/>
             </a:pPr>
-            <a:endParaRPr lang="en-US" sz="2000" dirty="0" smtClean="0"/>
+            <a:r>
+              <a:rPr lang="en-US" sz="2400" dirty="0" smtClean="0"/>
+              <a:t>Response lists available resources</a:t>
+            </a:r>
+          </a:p>
+          <a:p>
+            <a:pPr marL="342900" indent="-342900" algn="l">
+              <a:buFont typeface="Arial"/>
+              <a:buChar char="•"/>
+            </a:pPr>
+            <a:r>
+              <a:rPr lang="en-US" sz="2400" dirty="0" smtClean="0"/>
+              <a:t>PUT/POST/DELETE members of the collection</a:t>
+            </a:r>
+          </a:p>
+          <a:p>
+            <a:pPr marL="342900" indent="-342900" algn="l">
+              <a:buFont typeface="Arial"/>
+              <a:buChar char="•"/>
+            </a:pPr>
+            <a:r>
+              <a:rPr lang="en-US" sz="2400" dirty="0" smtClean="0"/>
+              <a:t>Or GET a collection property as a nested resource</a:t>
+            </a:r>
+            <a:endParaRPr lang="en-US" sz="2400" dirty="0" smtClean="0"/>
           </a:p>
         </p:txBody>
       </p:sp>
     </p:spTree>
     <p:extLst>
       <p:ext uri="{BB962C8B-B14F-4D97-AF65-F5344CB8AC3E}">
-        <p14:creationId xmlns:p14="http://schemas.microsoft.com/office/powerpoint/2010/main" val="2243049202"/>
+        <p14:creationId xmlns:p14="http://schemas.microsoft.com/office/powerpoint/2010/main" val="1579271575"/>
       </p:ext>
     </p:extLst>
   </p:cSld>
@@ -3722,8 +3580,16 @@
           <a:lstStyle/>
           <a:p>
             <a:r>
-              <a:rPr lang="en-US" dirty="0"/>
-              <a:t>Intro to underscore</a:t>
+              <a:rPr lang="en-US" dirty="0" smtClean="0"/>
+              <a:t>Lab: </a:t>
+            </a:r>
+            <a:r>
+              <a:rPr lang="en-US" dirty="0" err="1" smtClean="0"/>
+              <a:t>RESTful</a:t>
+            </a:r>
+            <a:r>
+              <a:rPr lang="en-US" dirty="0" smtClean="0"/>
+              <a:t> API</a:t>
             </a:r>
             <a:endParaRPr lang="en-US" dirty="0"/>
           </a:p>
@@ -3753,1341 +3619,44 @@
           <a:p>
             <a:pPr algn="l"/>
             <a:r>
-              <a:rPr lang="en-US" sz="2000" dirty="0" smtClean="0"/>
-              <a:t>Functionally oriented</a:t>
-            </a:r>
-          </a:p>
-          <a:p>
-            <a:pPr marL="342900" indent="-342900" algn="l">
-              <a:buFont typeface="Arial"/>
-              <a:buChar char="•"/>
-            </a:pPr>
-            <a:r>
-              <a:rPr lang="en-US" sz="2000" dirty="0" smtClean="0"/>
-              <a:t>Focus on transforming arrays (aka "lists") by applying functions</a:t>
-            </a:r>
-          </a:p>
-          <a:p>
-            <a:pPr marL="342900" indent="-342900" algn="l">
-              <a:buFont typeface="Arial"/>
-              <a:buChar char="•"/>
-            </a:pPr>
-            <a:r>
-              <a:rPr lang="en-US" sz="2000" dirty="0" smtClean="0"/>
-              <a:t>Encourages chaining and binding</a:t>
-            </a:r>
-          </a:p>
-          <a:p>
-            <a:pPr marL="342900" indent="-342900" algn="l">
-              <a:buFont typeface="Arial"/>
-              <a:buChar char="•"/>
-            </a:pPr>
-            <a:r>
-              <a:rPr lang="en-US" sz="2000" dirty="0" err="1" smtClean="0"/>
-              <a:t>jQuery</a:t>
-            </a:r>
-            <a:r>
-              <a:rPr lang="en-US" sz="2000" dirty="0" smtClean="0"/>
-              <a:t> : $ :: Underscore : _</a:t>
-            </a:r>
-          </a:p>
-          <a:p>
-            <a:pPr marL="342900" indent="-342900" algn="l">
-              <a:buFont typeface="Arial"/>
-              <a:buChar char="•"/>
-            </a:pPr>
-            <a:endParaRPr lang="en-US" sz="2000" dirty="0"/>
+              <a:rPr lang="en-US" sz="2400" dirty="0"/>
+              <a:t> - Implement a </a:t>
+            </a:r>
+            <a:r>
+              <a:rPr lang="en-US" sz="2400" dirty="0" err="1"/>
+              <a:t>RESTful</a:t>
+            </a:r>
+            <a:r>
+              <a:rPr lang="en-US" sz="2400" dirty="0"/>
+              <a:t> API server-</a:t>
+            </a:r>
+            <a:r>
+              <a:rPr lang="en-US" sz="2400" dirty="0" smtClean="0"/>
+              <a:t>side</a:t>
+            </a:r>
           </a:p>
           <a:p>
             <a:pPr algn="l"/>
             <a:r>
-              <a:rPr lang="en-US" sz="2000" dirty="0" err="1" smtClean="0"/>
-              <a:t>var</a:t>
-            </a:r>
-            <a:r>
-              <a:rPr lang="en-US" sz="2000" dirty="0" smtClean="0"/>
-              <a:t> list = [</a:t>
-            </a:r>
-            <a:r>
-              <a:rPr lang="en-US" sz="2000" dirty="0"/>
-              <a:t>1, 2, 3</a:t>
-            </a:r>
-            <a:r>
-              <a:rPr lang="en-US" sz="2000" dirty="0" smtClean="0"/>
-              <a:t>];</a:t>
-            </a:r>
-          </a:p>
-          <a:p>
-            <a:pPr algn="l"/>
-            <a:r>
-              <a:rPr lang="en-US" sz="2000" dirty="0" smtClean="0"/>
-              <a:t>list = _</a:t>
-            </a:r>
-            <a:r>
-              <a:rPr lang="en-US" sz="2000" dirty="0"/>
-              <a:t>.map</a:t>
-            </a:r>
-            <a:r>
-              <a:rPr lang="en-US" sz="2000" dirty="0" smtClean="0"/>
-              <a:t>(list, </a:t>
-            </a:r>
-            <a:r>
-              <a:rPr lang="en-US" sz="2000" dirty="0"/>
-              <a:t>function(</a:t>
-            </a:r>
-            <a:r>
-              <a:rPr lang="en-US" sz="2000" dirty="0" err="1"/>
-              <a:t>num</a:t>
-            </a:r>
-            <a:r>
-              <a:rPr lang="en-US" sz="2000" dirty="0"/>
-              <a:t>){ return </a:t>
-            </a:r>
-            <a:r>
-              <a:rPr lang="en-US" sz="2000" dirty="0" err="1"/>
-              <a:t>num</a:t>
-            </a:r>
-            <a:r>
-              <a:rPr lang="en-US" sz="2000" dirty="0"/>
-              <a:t> * </a:t>
-            </a:r>
-            <a:r>
-              <a:rPr lang="en-US" sz="2000" dirty="0" smtClean="0"/>
-              <a:t>3; </a:t>
-            </a:r>
-            <a:r>
-              <a:rPr lang="en-US" sz="2000" dirty="0"/>
-              <a:t>}</a:t>
-            </a:r>
-            <a:r>
-              <a:rPr lang="en-US" sz="2000" dirty="0" smtClean="0"/>
-              <a:t>);</a:t>
-            </a:r>
-          </a:p>
-          <a:p>
-            <a:pPr algn="l"/>
-            <a:r>
-              <a:rPr lang="en-US" sz="2000" dirty="0"/>
-              <a:t>// returns </a:t>
-            </a:r>
-            <a:r>
-              <a:rPr lang="en-US" sz="2000" dirty="0" smtClean="0"/>
-              <a:t>true</a:t>
-            </a:r>
-          </a:p>
-          <a:p>
-            <a:pPr algn="l"/>
-            <a:r>
-              <a:rPr lang="en-US" sz="2000" dirty="0" smtClean="0"/>
-              <a:t>_.</a:t>
-            </a:r>
-            <a:r>
-              <a:rPr lang="en-US" sz="2000" dirty="0"/>
-              <a:t>every</a:t>
-            </a:r>
-            <a:r>
-              <a:rPr lang="en-US" sz="2000" dirty="0" smtClean="0"/>
-              <a:t>([2, 4, 5], </a:t>
-            </a:r>
-            <a:r>
-              <a:rPr lang="en-US" sz="2000" dirty="0"/>
-              <a:t>function(</a:t>
-            </a:r>
-            <a:r>
-              <a:rPr lang="en-US" sz="2000" dirty="0" err="1"/>
-              <a:t>num</a:t>
-            </a:r>
-            <a:r>
-              <a:rPr lang="en-US" sz="2000" dirty="0"/>
-              <a:t>) { return </a:t>
-            </a:r>
-            <a:r>
-              <a:rPr lang="en-US" sz="2000" dirty="0" err="1"/>
-              <a:t>num</a:t>
-            </a:r>
-            <a:r>
-              <a:rPr lang="en-US" sz="2000" dirty="0"/>
-              <a:t> % 2 == 0; })</a:t>
-            </a:r>
-            <a:r>
-              <a:rPr lang="en-US" sz="2000" dirty="0" smtClean="0"/>
-              <a:t>;</a:t>
-            </a:r>
-          </a:p>
-          <a:p>
-            <a:pPr algn="l"/>
-            <a:r>
-              <a:rPr lang="en-US" sz="2000" dirty="0" smtClean="0"/>
-              <a:t>// alternative, returns true</a:t>
-            </a:r>
-          </a:p>
-          <a:p>
-            <a:pPr algn="l"/>
-            <a:r>
-              <a:rPr lang="en-US" sz="2000" dirty="0" smtClean="0"/>
-              <a:t>_.chain(list).map(</a:t>
-            </a:r>
-            <a:r>
-              <a:rPr lang="en-US" sz="2000" dirty="0"/>
-              <a:t>function(</a:t>
-            </a:r>
-            <a:r>
-              <a:rPr lang="en-US" sz="2000" dirty="0" err="1"/>
-              <a:t>num</a:t>
-            </a:r>
-            <a:r>
-              <a:rPr lang="en-US" sz="2000" dirty="0"/>
-              <a:t>){ return </a:t>
-            </a:r>
-            <a:r>
-              <a:rPr lang="en-US" sz="2000" dirty="0" err="1"/>
-              <a:t>num</a:t>
-            </a:r>
-            <a:r>
-              <a:rPr lang="en-US" sz="2000" dirty="0"/>
-              <a:t> * 3; </a:t>
-            </a:r>
-            <a:r>
-              <a:rPr lang="en-US" sz="2000" dirty="0" smtClean="0"/>
-              <a:t>})</a:t>
-            </a:r>
-          </a:p>
-          <a:p>
-            <a:pPr algn="l"/>
-            <a:r>
-              <a:rPr lang="en-US" sz="2000" dirty="0"/>
+              <a:rPr lang="en-US" sz="2400" dirty="0"/>
               <a:t> </a:t>
             </a:r>
             <a:r>
-              <a:rPr lang="en-US" sz="2000" dirty="0" smtClean="0"/>
-              <a:t> .every(</a:t>
-            </a:r>
-            <a:r>
-              <a:rPr lang="en-US" sz="2000" dirty="0"/>
-              <a:t>function(</a:t>
-            </a:r>
-            <a:r>
-              <a:rPr lang="en-US" sz="2000" dirty="0" err="1"/>
-              <a:t>num</a:t>
-            </a:r>
-            <a:r>
-              <a:rPr lang="en-US" sz="2000" dirty="0"/>
-              <a:t>) { return </a:t>
-            </a:r>
-            <a:r>
-              <a:rPr lang="en-US" sz="2000" dirty="0" err="1"/>
-              <a:t>num</a:t>
-            </a:r>
-            <a:r>
-              <a:rPr lang="en-US" sz="2000" dirty="0"/>
-              <a:t> % 2 == 0; });</a:t>
-            </a:r>
-          </a:p>
-          <a:p>
-            <a:pPr algn="l"/>
-            <a:endParaRPr lang="en-US" sz="2000" dirty="0" smtClean="0"/>
+              <a:rPr lang="en-US" sz="2400" dirty="0" smtClean="0"/>
+              <a:t>- 90 </a:t>
+            </a:r>
+            <a:r>
+              <a:rPr lang="en-US" sz="2400" dirty="0" err="1" smtClean="0"/>
+              <a:t>mins</a:t>
+            </a:r>
+            <a:endParaRPr lang="en-US" sz="2400" dirty="0" smtClean="0"/>
           </a:p>
         </p:txBody>
       </p:sp>
     </p:spTree>
     <p:extLst>
       <p:ext uri="{BB962C8B-B14F-4D97-AF65-F5344CB8AC3E}">
-        <p14:creationId xmlns:p14="http://schemas.microsoft.com/office/powerpoint/2010/main" val="185541849"/>
-      </p:ext>
-    </p:extLst>
-  </p:cSld>
-  <p:clrMapOvr>
-    <a:masterClrMapping/>
-  </p:clrMapOvr>
-  <p:timing>
-    <p:tnLst>
-      <p:par>
-        <p:cTn xmlns:p14="http://schemas.microsoft.com/office/powerpoint/2010/main" id="1" dur="indefinite" restart="never" nodeType="tmRoot"/>
-      </p:par>
-    </p:tnLst>
-  </p:timing>
-</p:sld>
-</file>
-
-<file path=ppt/slides/slide13.xml><?xml version="1.0" encoding="utf-8"?>
-<p:sld xmlns:a="http://schemas.openxmlformats.org/drawingml/2006/main" xmlns:r="http://schemas.openxmlformats.org/officeDocument/2006/relationships" xmlns:p="http://schemas.openxmlformats.org/presentationml/2006/main">
-  <p:cSld>
-    <p:spTree>
-      <p:nvGrpSpPr>
-        <p:cNvPr id="1" name=""/>
-        <p:cNvGrpSpPr/>
-        <p:nvPr/>
-      </p:nvGrpSpPr>
-      <p:grpSpPr>
-        <a:xfrm>
-          <a:off x="0" y="0"/>
-          <a:ext cx="0" cy="0"/>
-          <a:chOff x="0" y="0"/>
-          <a:chExt cx="0" cy="0"/>
-        </a:xfrm>
-      </p:grpSpPr>
-      <p:sp>
-        <p:nvSpPr>
-          <p:cNvPr id="2" name="Title 1"/>
-          <p:cNvSpPr>
-            <a:spLocks noGrp="1"/>
-          </p:cNvSpPr>
-          <p:nvPr>
-            <p:ph type="ctrTitle"/>
-          </p:nvPr>
-        </p:nvSpPr>
-        <p:spPr>
-          <a:xfrm>
-            <a:off x="685800" y="160685"/>
-            <a:ext cx="7772400" cy="1470025"/>
-          </a:xfrm>
-        </p:spPr>
-        <p:txBody>
-          <a:bodyPr/>
-          <a:lstStyle/>
-          <a:p>
-            <a:r>
-              <a:rPr lang="en-US" dirty="0" smtClean="0"/>
-              <a:t>Backbone Models</a:t>
-            </a:r>
-            <a:endParaRPr lang="en-US" dirty="0"/>
-          </a:p>
-        </p:txBody>
-      </p:sp>
-      <p:sp>
-        <p:nvSpPr>
-          <p:cNvPr id="3" name="Subtitle 2"/>
-          <p:cNvSpPr>
-            <a:spLocks noGrp="1"/>
-          </p:cNvSpPr>
-          <p:nvPr>
-            <p:ph type="subTitle" idx="1"/>
-          </p:nvPr>
-        </p:nvSpPr>
-        <p:spPr>
-          <a:xfrm>
-            <a:off x="454651" y="1630710"/>
-            <a:ext cx="8371875" cy="4609893"/>
-          </a:xfrm>
-        </p:spPr>
-        <p:txBody>
-          <a:bodyPr>
-            <a:normAutofit/>
-          </a:bodyPr>
-          <a:lstStyle/>
-          <a:p>
-            <a:pPr marL="342900" indent="-342900" algn="l">
-              <a:buFont typeface="Arial"/>
-              <a:buChar char="•"/>
-            </a:pPr>
-            <a:r>
-              <a:rPr lang="en-US" sz="2000" dirty="0"/>
-              <a:t>Orchestrates data and business </a:t>
-            </a:r>
-            <a:r>
-              <a:rPr lang="en-US" sz="2000" dirty="0" smtClean="0"/>
-              <a:t>logic</a:t>
-            </a:r>
-            <a:endParaRPr lang="en-US" sz="2000" dirty="0"/>
-          </a:p>
-          <a:p>
-            <a:pPr marL="342900" indent="-342900" algn="l">
-              <a:buFont typeface="Arial"/>
-              <a:buChar char="•"/>
-            </a:pPr>
-            <a:r>
-              <a:rPr lang="en-US" sz="2000" dirty="0"/>
-              <a:t>Loads and saves from the </a:t>
-            </a:r>
-            <a:r>
-              <a:rPr lang="en-US" sz="2000" dirty="0" smtClean="0"/>
-              <a:t>server</a:t>
-            </a:r>
-            <a:endParaRPr lang="en-US" sz="2000" dirty="0"/>
-          </a:p>
-          <a:p>
-            <a:pPr marL="342900" indent="-342900" algn="l">
-              <a:buFont typeface="Arial"/>
-              <a:buChar char="•"/>
-            </a:pPr>
-            <a:r>
-              <a:rPr lang="en-US" sz="2000" dirty="0"/>
-              <a:t>Emits events when data </a:t>
-            </a:r>
-            <a:r>
-              <a:rPr lang="en-US" sz="2000" dirty="0" smtClean="0"/>
-              <a:t>changes</a:t>
-            </a:r>
-          </a:p>
-          <a:p>
-            <a:pPr marL="342900" indent="-342900" algn="l">
-              <a:buFont typeface="Arial"/>
-              <a:buChar char="•"/>
-            </a:pPr>
-            <a:r>
-              <a:rPr lang="en-US" sz="2000" dirty="0" smtClean="0"/>
-              <a:t>Methods:</a:t>
-            </a:r>
-          </a:p>
-          <a:p>
-            <a:pPr marL="800100" lvl="1" indent="-342900" algn="l">
-              <a:buFont typeface="Arial"/>
-              <a:buChar char="•"/>
-            </a:pPr>
-            <a:r>
-              <a:rPr lang="en-US" sz="1600" dirty="0" smtClean="0"/>
-              <a:t>Initialize (defaults)</a:t>
-            </a:r>
-            <a:endParaRPr lang="en-US" sz="1600" dirty="0"/>
-          </a:p>
-          <a:p>
-            <a:pPr marL="800100" lvl="1" indent="-342900" algn="l">
-              <a:buFont typeface="Arial"/>
-              <a:buChar char="•"/>
-            </a:pPr>
-            <a:r>
-              <a:rPr lang="en-US" sz="1600" dirty="0" smtClean="0"/>
-              <a:t>fetch</a:t>
-            </a:r>
-            <a:r>
-              <a:rPr lang="en-US" sz="1600" dirty="0"/>
-              <a:t>/parse/save/</a:t>
-            </a:r>
-            <a:r>
-              <a:rPr lang="en-US" sz="1600" dirty="0" smtClean="0"/>
-              <a:t>sync</a:t>
-            </a:r>
-          </a:p>
-          <a:p>
-            <a:pPr marL="800100" lvl="1" indent="-342900" algn="l">
-              <a:buFont typeface="Arial"/>
-              <a:buChar char="•"/>
-            </a:pPr>
-            <a:r>
-              <a:rPr lang="en-US" sz="1600" dirty="0"/>
-              <a:t>g</a:t>
-            </a:r>
-            <a:r>
-              <a:rPr lang="en-US" sz="1600" dirty="0" smtClean="0"/>
-              <a:t>et/set/unset/has</a:t>
-            </a:r>
-          </a:p>
-          <a:p>
-            <a:pPr marL="342900" indent="-342900" algn="l">
-              <a:buFont typeface="Arial"/>
-              <a:buChar char="•"/>
-            </a:pPr>
-            <a:r>
-              <a:rPr lang="en-US" sz="2000" dirty="0" smtClean="0"/>
-              <a:t>Class pattern – define with extend(), instantiate with 'new'</a:t>
-            </a:r>
-          </a:p>
-          <a:p>
-            <a:pPr marL="342900" indent="-342900" algn="l">
-              <a:buFont typeface="Arial"/>
-              <a:buChar char="•"/>
-            </a:pPr>
-            <a:r>
-              <a:rPr lang="en-US" sz="2000" dirty="0" err="1"/>
-              <a:t>var</a:t>
-            </a:r>
-            <a:r>
-              <a:rPr lang="en-US" sz="2000" dirty="0"/>
-              <a:t> Note = </a:t>
-            </a:r>
-            <a:r>
-              <a:rPr lang="en-US" sz="2000" dirty="0" err="1"/>
-              <a:t>Backbone.Model.extend</a:t>
-            </a:r>
-            <a:r>
-              <a:rPr lang="en-US" sz="2000" dirty="0"/>
-              <a:t>(</a:t>
-            </a:r>
-            <a:r>
-              <a:rPr lang="en-US" sz="2000" dirty="0" smtClean="0"/>
-              <a:t>{ initialize: …  // class values</a:t>
-            </a:r>
-          </a:p>
-          <a:p>
-            <a:pPr marL="342900" indent="-342900" algn="l">
-              <a:buFont typeface="Arial"/>
-              <a:buChar char="•"/>
-            </a:pPr>
-            <a:r>
-              <a:rPr lang="en-US" sz="2000" dirty="0" err="1" smtClean="0"/>
-              <a:t>var</a:t>
-            </a:r>
-            <a:r>
-              <a:rPr lang="en-US" sz="2000" dirty="0" smtClean="0"/>
-              <a:t> </a:t>
-            </a:r>
-            <a:r>
-              <a:rPr lang="en-US" sz="2000" dirty="0" err="1" smtClean="0"/>
-              <a:t>oneNote</a:t>
-            </a:r>
-            <a:r>
-              <a:rPr lang="en-US" sz="2000" dirty="0" smtClean="0"/>
-              <a:t> = new Note({ </a:t>
-            </a:r>
-            <a:r>
-              <a:rPr lang="en-US" sz="2000" dirty="0" err="1" smtClean="0"/>
-              <a:t>somethingSpecific</a:t>
-            </a:r>
-            <a:r>
-              <a:rPr lang="en-US" sz="2000" dirty="0" smtClean="0"/>
-              <a:t>: … // instance values });</a:t>
-            </a:r>
-          </a:p>
-          <a:p>
-            <a:pPr marL="342900" indent="-342900" algn="l">
-              <a:buFont typeface="Arial"/>
-              <a:buChar char="•"/>
-            </a:pPr>
-            <a:endParaRPr lang="en-US" sz="2000" dirty="0" smtClean="0"/>
-          </a:p>
-        </p:txBody>
-      </p:sp>
-    </p:spTree>
-    <p:extLst>
-      <p:ext uri="{BB962C8B-B14F-4D97-AF65-F5344CB8AC3E}">
-        <p14:creationId xmlns:p14="http://schemas.microsoft.com/office/powerpoint/2010/main" val="1009735855"/>
-      </p:ext>
-    </p:extLst>
-  </p:cSld>
-  <p:clrMapOvr>
-    <a:masterClrMapping/>
-  </p:clrMapOvr>
-  <p:timing>
-    <p:tnLst>
-      <p:par>
-        <p:cTn xmlns:p14="http://schemas.microsoft.com/office/powerpoint/2010/main" id="1" dur="indefinite" restart="never" nodeType="tmRoot"/>
-      </p:par>
-    </p:tnLst>
-  </p:timing>
-</p:sld>
-</file>
-
-<file path=ppt/slides/slide14.xml><?xml version="1.0" encoding="utf-8"?>
-<p:sld xmlns:a="http://schemas.openxmlformats.org/drawingml/2006/main" xmlns:r="http://schemas.openxmlformats.org/officeDocument/2006/relationships" xmlns:p="http://schemas.openxmlformats.org/presentationml/2006/main">
-  <p:cSld>
-    <p:spTree>
-      <p:nvGrpSpPr>
-        <p:cNvPr id="1" name=""/>
-        <p:cNvGrpSpPr/>
-        <p:nvPr/>
-      </p:nvGrpSpPr>
-      <p:grpSpPr>
-        <a:xfrm>
-          <a:off x="0" y="0"/>
-          <a:ext cx="0" cy="0"/>
-          <a:chOff x="0" y="0"/>
-          <a:chExt cx="0" cy="0"/>
-        </a:xfrm>
-      </p:grpSpPr>
-      <p:sp>
-        <p:nvSpPr>
-          <p:cNvPr id="2" name="Title 1"/>
-          <p:cNvSpPr>
-            <a:spLocks noGrp="1"/>
-          </p:cNvSpPr>
-          <p:nvPr>
-            <p:ph type="ctrTitle"/>
-          </p:nvPr>
-        </p:nvSpPr>
-        <p:spPr>
-          <a:xfrm>
-            <a:off x="685800" y="160685"/>
-            <a:ext cx="7772400" cy="1470025"/>
-          </a:xfrm>
-        </p:spPr>
-        <p:txBody>
-          <a:bodyPr/>
-          <a:lstStyle/>
-          <a:p>
-            <a:r>
-              <a:rPr lang="en-US" dirty="0" smtClean="0"/>
-              <a:t>Lab: Backbone Models</a:t>
-            </a:r>
-            <a:endParaRPr lang="en-US" dirty="0"/>
-          </a:p>
-        </p:txBody>
-      </p:sp>
-      <p:sp>
-        <p:nvSpPr>
-          <p:cNvPr id="3" name="Subtitle 2"/>
-          <p:cNvSpPr>
-            <a:spLocks noGrp="1"/>
-          </p:cNvSpPr>
-          <p:nvPr>
-            <p:ph type="subTitle" idx="1"/>
-          </p:nvPr>
-        </p:nvSpPr>
-        <p:spPr>
-          <a:xfrm>
-            <a:off x="454651" y="1630710"/>
-            <a:ext cx="8371875" cy="4609893"/>
-          </a:xfrm>
-        </p:spPr>
-        <p:txBody>
-          <a:bodyPr>
-            <a:normAutofit/>
-          </a:bodyPr>
-          <a:lstStyle/>
-          <a:p>
-            <a:pPr marL="342900" indent="-342900" algn="l">
-              <a:buFont typeface="Arial"/>
-              <a:buChar char="•"/>
-            </a:pPr>
-            <a:r>
-              <a:rPr lang="en-US" sz="2000" dirty="0"/>
-              <a:t> </a:t>
-            </a:r>
-            <a:r>
-              <a:rPr lang="en-US" sz="2000" dirty="0" err="1" smtClean="0"/>
-              <a:t>npm</a:t>
-            </a:r>
-            <a:r>
-              <a:rPr lang="en-US" sz="2000" dirty="0" smtClean="0"/>
-              <a:t> </a:t>
-            </a:r>
-            <a:r>
-              <a:rPr lang="en-US" sz="2000" dirty="0"/>
-              <a:t>install Backbone &amp; dependencies</a:t>
-            </a:r>
-          </a:p>
-          <a:p>
-            <a:pPr marL="342900" indent="-342900" algn="l">
-              <a:buFont typeface="Arial"/>
-              <a:buChar char="•"/>
-            </a:pPr>
-            <a:r>
-              <a:rPr lang="en-US" sz="2000" dirty="0" smtClean="0"/>
-              <a:t> Get </a:t>
-            </a:r>
-            <a:r>
-              <a:rPr lang="en-US" sz="2000" dirty="0"/>
-              <a:t>familiar with Underscore &amp; functional orientation</a:t>
-            </a:r>
-          </a:p>
-          <a:p>
-            <a:pPr marL="342900" indent="-342900" algn="l">
-              <a:buFont typeface="Arial"/>
-              <a:buChar char="•"/>
-            </a:pPr>
-            <a:r>
-              <a:rPr lang="en-US" sz="2000" dirty="0" smtClean="0"/>
-              <a:t> Brief </a:t>
-            </a:r>
-            <a:r>
-              <a:rPr lang="en-US" sz="2000" dirty="0"/>
-              <a:t>exploration of Backbone Events on a POJO</a:t>
-            </a:r>
-          </a:p>
-          <a:p>
-            <a:pPr marL="342900" indent="-342900" algn="l">
-              <a:buFont typeface="Arial"/>
-              <a:buChar char="•"/>
-            </a:pPr>
-            <a:r>
-              <a:rPr lang="en-US" sz="2000" dirty="0" smtClean="0"/>
-              <a:t> Dive </a:t>
-            </a:r>
-            <a:r>
-              <a:rPr lang="en-US" sz="2000" dirty="0"/>
-              <a:t>into Backbone </a:t>
-            </a:r>
-            <a:r>
-              <a:rPr lang="en-US" sz="2000" dirty="0" smtClean="0"/>
-              <a:t>Model</a:t>
-            </a:r>
-          </a:p>
-          <a:p>
-            <a:pPr marL="342900" indent="-342900" algn="l">
-              <a:buFont typeface="Arial"/>
-              <a:buChar char="•"/>
-            </a:pPr>
-            <a:r>
-              <a:rPr lang="en-US" sz="2000" dirty="0" smtClean="0"/>
-              <a:t> 60 </a:t>
-            </a:r>
-            <a:r>
-              <a:rPr lang="en-US" sz="2000" dirty="0" err="1" smtClean="0"/>
-              <a:t>mins</a:t>
-            </a:r>
-            <a:r>
-              <a:rPr lang="en-US" sz="2000" dirty="0" smtClean="0"/>
-              <a:t>, then lunch</a:t>
-            </a:r>
-          </a:p>
-        </p:txBody>
-      </p:sp>
-    </p:spTree>
-    <p:extLst>
-      <p:ext uri="{BB962C8B-B14F-4D97-AF65-F5344CB8AC3E}">
-        <p14:creationId xmlns:p14="http://schemas.microsoft.com/office/powerpoint/2010/main" val="436504720"/>
-      </p:ext>
-    </p:extLst>
-  </p:cSld>
-  <p:clrMapOvr>
-    <a:masterClrMapping/>
-  </p:clrMapOvr>
-  <p:timing>
-    <p:tnLst>
-      <p:par>
-        <p:cTn xmlns:p14="http://schemas.microsoft.com/office/powerpoint/2010/main" id="1" dur="indefinite" restart="never" nodeType="tmRoot"/>
-      </p:par>
-    </p:tnLst>
-  </p:timing>
-</p:sld>
-</file>
-
-<file path=ppt/slides/slide15.xml><?xml version="1.0" encoding="utf-8"?>
-<p:sld xmlns:a="http://schemas.openxmlformats.org/drawingml/2006/main" xmlns:r="http://schemas.openxmlformats.org/officeDocument/2006/relationships" xmlns:p="http://schemas.openxmlformats.org/presentationml/2006/main">
-  <p:cSld>
-    <p:spTree>
-      <p:nvGrpSpPr>
-        <p:cNvPr id="1" name=""/>
-        <p:cNvGrpSpPr/>
-        <p:nvPr/>
-      </p:nvGrpSpPr>
-      <p:grpSpPr>
-        <a:xfrm>
-          <a:off x="0" y="0"/>
-          <a:ext cx="0" cy="0"/>
-          <a:chOff x="0" y="0"/>
-          <a:chExt cx="0" cy="0"/>
-        </a:xfrm>
-      </p:grpSpPr>
-      <p:sp>
-        <p:nvSpPr>
-          <p:cNvPr id="2" name="Title 1"/>
-          <p:cNvSpPr>
-            <a:spLocks noGrp="1"/>
-          </p:cNvSpPr>
-          <p:nvPr>
-            <p:ph type="ctrTitle"/>
-          </p:nvPr>
-        </p:nvSpPr>
-        <p:spPr>
-          <a:xfrm>
-            <a:off x="685800" y="160685"/>
-            <a:ext cx="7772400" cy="1470025"/>
-          </a:xfrm>
-        </p:spPr>
-        <p:txBody>
-          <a:bodyPr/>
-          <a:lstStyle/>
-          <a:p>
-            <a:r>
-              <a:rPr lang="en-US" dirty="0" smtClean="0"/>
-              <a:t>Backbone Views</a:t>
-            </a:r>
-            <a:endParaRPr lang="en-US" dirty="0"/>
-          </a:p>
-        </p:txBody>
-      </p:sp>
-      <p:sp>
-        <p:nvSpPr>
-          <p:cNvPr id="3" name="Subtitle 2"/>
-          <p:cNvSpPr>
-            <a:spLocks noGrp="1"/>
-          </p:cNvSpPr>
-          <p:nvPr>
-            <p:ph type="subTitle" idx="1"/>
-          </p:nvPr>
-        </p:nvSpPr>
-        <p:spPr>
-          <a:xfrm>
-            <a:off x="454651" y="1630710"/>
-            <a:ext cx="8371875" cy="4609893"/>
-          </a:xfrm>
-        </p:spPr>
-        <p:txBody>
-          <a:bodyPr>
-            <a:normAutofit/>
-          </a:bodyPr>
-          <a:lstStyle/>
-          <a:p>
-            <a:pPr marL="342900" indent="-342900" algn="l">
-              <a:buFont typeface="Arial"/>
-              <a:buChar char="•"/>
-            </a:pPr>
-            <a:r>
-              <a:rPr lang="en-US" sz="2000" dirty="0" smtClean="0"/>
-              <a:t>Views listen to events and render templates</a:t>
-            </a:r>
-          </a:p>
-          <a:p>
-            <a:pPr marL="342900" indent="-342900" algn="l">
-              <a:buFont typeface="Arial"/>
-              <a:buChar char="•"/>
-            </a:pPr>
-            <a:r>
-              <a:rPr lang="en-US" sz="2000" dirty="0" smtClean="0"/>
-              <a:t>Therefore in MVC, they're really more like Controllers</a:t>
-            </a:r>
-          </a:p>
-          <a:p>
-            <a:pPr marL="342900" indent="-342900" algn="l">
-              <a:buFont typeface="Arial"/>
-              <a:buChar char="•"/>
-            </a:pPr>
-            <a:r>
-              <a:rPr lang="en-US" sz="2000" dirty="0" smtClean="0"/>
-              <a:t>Follow the same .extend() and "new" pattern as Models</a:t>
-            </a:r>
-          </a:p>
-          <a:p>
-            <a:pPr marL="342900" indent="-342900" algn="l">
-              <a:buFont typeface="Arial"/>
-              <a:buChar char="•"/>
-            </a:pPr>
-            <a:r>
-              <a:rPr lang="en-US" sz="2000" dirty="0" smtClean="0"/>
-              <a:t>View binds to a DOM element at creation</a:t>
-            </a:r>
-          </a:p>
-          <a:p>
-            <a:pPr marL="800100" lvl="1" indent="-342900" algn="l">
-              <a:buFont typeface="Arial"/>
-              <a:buChar char="•"/>
-            </a:pPr>
-            <a:r>
-              <a:rPr lang="en-US" sz="1600" dirty="0" smtClean="0"/>
-              <a:t>Raw element available via .el</a:t>
-            </a:r>
-          </a:p>
-          <a:p>
-            <a:pPr marL="800100" lvl="1" indent="-342900" algn="l">
-              <a:buFont typeface="Arial"/>
-              <a:buChar char="•"/>
-            </a:pPr>
-            <a:r>
-              <a:rPr lang="en-US" sz="1600" dirty="0" smtClean="0"/>
-              <a:t>Also available wrapped in </a:t>
-            </a:r>
-            <a:r>
-              <a:rPr lang="en-US" sz="1600" dirty="0" err="1" smtClean="0"/>
-              <a:t>jQuery</a:t>
-            </a:r>
-            <a:r>
-              <a:rPr lang="en-US" sz="1600" dirty="0" smtClean="0"/>
-              <a:t> as .$el for convenience</a:t>
-            </a:r>
-          </a:p>
-          <a:p>
-            <a:pPr marL="800100" lvl="1" indent="-342900" algn="l">
-              <a:buFont typeface="Arial"/>
-              <a:buChar char="•"/>
-            </a:pPr>
-            <a:endParaRPr lang="en-US" sz="1600" dirty="0"/>
-          </a:p>
-        </p:txBody>
-      </p:sp>
-    </p:spTree>
-    <p:extLst>
-      <p:ext uri="{BB962C8B-B14F-4D97-AF65-F5344CB8AC3E}">
-        <p14:creationId xmlns:p14="http://schemas.microsoft.com/office/powerpoint/2010/main" val="2896318890"/>
-      </p:ext>
-    </p:extLst>
-  </p:cSld>
-  <p:clrMapOvr>
-    <a:masterClrMapping/>
-  </p:clrMapOvr>
-  <p:timing>
-    <p:tnLst>
-      <p:par>
-        <p:cTn xmlns:p14="http://schemas.microsoft.com/office/powerpoint/2010/main" id="1" dur="indefinite" restart="never" nodeType="tmRoot"/>
-      </p:par>
-    </p:tnLst>
-  </p:timing>
-</p:sld>
-</file>
-
-<file path=ppt/slides/slide16.xml><?xml version="1.0" encoding="utf-8"?>
-<p:sld xmlns:a="http://schemas.openxmlformats.org/drawingml/2006/main" xmlns:r="http://schemas.openxmlformats.org/officeDocument/2006/relationships" xmlns:p="http://schemas.openxmlformats.org/presentationml/2006/main">
-  <p:cSld>
-    <p:spTree>
-      <p:nvGrpSpPr>
-        <p:cNvPr id="1" name=""/>
-        <p:cNvGrpSpPr/>
-        <p:nvPr/>
-      </p:nvGrpSpPr>
-      <p:grpSpPr>
-        <a:xfrm>
-          <a:off x="0" y="0"/>
-          <a:ext cx="0" cy="0"/>
-          <a:chOff x="0" y="0"/>
-          <a:chExt cx="0" cy="0"/>
-        </a:xfrm>
-      </p:grpSpPr>
-      <p:sp>
-        <p:nvSpPr>
-          <p:cNvPr id="2" name="Title 1"/>
-          <p:cNvSpPr>
-            <a:spLocks noGrp="1"/>
-          </p:cNvSpPr>
-          <p:nvPr>
-            <p:ph type="ctrTitle"/>
-          </p:nvPr>
-        </p:nvSpPr>
-        <p:spPr>
-          <a:xfrm>
-            <a:off x="685800" y="160685"/>
-            <a:ext cx="7772400" cy="1470025"/>
-          </a:xfrm>
-        </p:spPr>
-        <p:txBody>
-          <a:bodyPr/>
-          <a:lstStyle/>
-          <a:p>
-            <a:r>
-              <a:rPr lang="en-US" dirty="0" smtClean="0"/>
-              <a:t>Backbone Views</a:t>
-            </a:r>
-            <a:endParaRPr lang="en-US" dirty="0"/>
-          </a:p>
-        </p:txBody>
-      </p:sp>
-      <p:sp>
-        <p:nvSpPr>
-          <p:cNvPr id="3" name="Subtitle 2"/>
-          <p:cNvSpPr>
-            <a:spLocks noGrp="1"/>
-          </p:cNvSpPr>
-          <p:nvPr>
-            <p:ph type="subTitle" idx="1"/>
-          </p:nvPr>
-        </p:nvSpPr>
-        <p:spPr>
-          <a:xfrm>
-            <a:off x="454651" y="1630710"/>
-            <a:ext cx="8371875" cy="4609893"/>
-          </a:xfrm>
-        </p:spPr>
-        <p:txBody>
-          <a:bodyPr>
-            <a:normAutofit lnSpcReduction="10000"/>
-          </a:bodyPr>
-          <a:lstStyle/>
-          <a:p>
-            <a:pPr algn="l"/>
-            <a:r>
-              <a:rPr lang="en-US" sz="2000" dirty="0" err="1" smtClean="0"/>
-              <a:t>var</a:t>
-            </a:r>
-            <a:r>
-              <a:rPr lang="en-US" sz="2000" dirty="0" smtClean="0"/>
-              <a:t> </a:t>
-            </a:r>
-            <a:r>
-              <a:rPr lang="en-US" sz="2000" dirty="0" err="1"/>
-              <a:t>DocumentRow</a:t>
-            </a:r>
-            <a:r>
-              <a:rPr lang="en-US" sz="2000" dirty="0"/>
-              <a:t> = </a:t>
-            </a:r>
-            <a:r>
-              <a:rPr lang="en-US" sz="2000" dirty="0" err="1"/>
-              <a:t>Backbone.View.extend</a:t>
-            </a:r>
-            <a:r>
-              <a:rPr lang="en-US" sz="2000" dirty="0"/>
-              <a:t>(</a:t>
-            </a:r>
-            <a:r>
-              <a:rPr lang="en-US" sz="2000" dirty="0" smtClean="0"/>
-              <a:t>{</a:t>
-            </a:r>
-            <a:endParaRPr lang="en-US" sz="2000" dirty="0"/>
-          </a:p>
-          <a:p>
-            <a:pPr algn="l"/>
-            <a:r>
-              <a:rPr lang="en-US" sz="2000" dirty="0"/>
-              <a:t>  </a:t>
-            </a:r>
-            <a:r>
-              <a:rPr lang="en-US" sz="2000" dirty="0" err="1"/>
-              <a:t>tagName</a:t>
-            </a:r>
-            <a:r>
-              <a:rPr lang="en-US" sz="2000" dirty="0"/>
-              <a:t>: "li"</a:t>
-            </a:r>
-            <a:r>
-              <a:rPr lang="en-US" sz="2000" dirty="0" smtClean="0"/>
-              <a:t>,</a:t>
-            </a:r>
-            <a:endParaRPr lang="en-US" sz="2000" dirty="0"/>
-          </a:p>
-          <a:p>
-            <a:pPr algn="l"/>
-            <a:r>
-              <a:rPr lang="en-US" sz="2000" dirty="0"/>
-              <a:t>  </a:t>
-            </a:r>
-            <a:r>
-              <a:rPr lang="en-US" sz="2000" dirty="0" err="1"/>
-              <a:t>className</a:t>
-            </a:r>
-            <a:r>
-              <a:rPr lang="en-US" sz="2000" dirty="0"/>
-              <a:t>: "document-row"</a:t>
-            </a:r>
-            <a:r>
-              <a:rPr lang="en-US" sz="2000" dirty="0" smtClean="0"/>
-              <a:t>,</a:t>
-            </a:r>
-            <a:endParaRPr lang="en-US" sz="2000" dirty="0"/>
-          </a:p>
-          <a:p>
-            <a:pPr algn="l"/>
-            <a:r>
-              <a:rPr lang="en-US" sz="2000" dirty="0"/>
-              <a:t>  events: {</a:t>
-            </a:r>
-          </a:p>
-          <a:p>
-            <a:pPr algn="l"/>
-            <a:r>
-              <a:rPr lang="en-US" sz="2000" dirty="0"/>
-              <a:t>    "click .icon":  </a:t>
-            </a:r>
-            <a:r>
-              <a:rPr lang="en-US" sz="2000" dirty="0" smtClean="0"/>
-              <a:t>"</a:t>
-            </a:r>
-            <a:r>
-              <a:rPr lang="en-US" sz="2000" dirty="0"/>
-              <a:t>open</a:t>
-            </a:r>
-            <a:r>
-              <a:rPr lang="en-US" sz="2000" dirty="0" smtClean="0"/>
-              <a:t>"</a:t>
-            </a:r>
-          </a:p>
-          <a:p>
-            <a:pPr algn="l"/>
-            <a:r>
-              <a:rPr lang="en-US" sz="2000" dirty="0"/>
-              <a:t> </a:t>
-            </a:r>
-            <a:r>
-              <a:rPr lang="en-US" sz="2000" dirty="0" smtClean="0"/>
-              <a:t> },</a:t>
-            </a:r>
-          </a:p>
-          <a:p>
-            <a:pPr algn="l"/>
-            <a:r>
-              <a:rPr lang="en-US" sz="2000" dirty="0"/>
-              <a:t> open: </a:t>
-            </a:r>
-            <a:r>
-              <a:rPr lang="en-US" sz="2000" dirty="0" smtClean="0"/>
-              <a:t>function () { … },</a:t>
-            </a:r>
-            <a:endParaRPr lang="en-US" sz="2000" dirty="0"/>
-          </a:p>
-          <a:p>
-            <a:pPr algn="l"/>
-            <a:r>
-              <a:rPr lang="en-US" sz="2000" dirty="0"/>
-              <a:t>  initialize: </a:t>
-            </a:r>
-            <a:r>
-              <a:rPr lang="en-US" sz="2000" dirty="0" smtClean="0"/>
-              <a:t>function (</a:t>
-            </a:r>
-            <a:r>
-              <a:rPr lang="en-US" sz="2000" dirty="0"/>
-              <a:t>) {</a:t>
-            </a:r>
-          </a:p>
-          <a:p>
-            <a:pPr algn="l"/>
-            <a:r>
-              <a:rPr lang="en-US" sz="2000" dirty="0"/>
-              <a:t>    </a:t>
-            </a:r>
-            <a:r>
-              <a:rPr lang="en-US" sz="2000" dirty="0" err="1"/>
-              <a:t>this.listenTo</a:t>
-            </a:r>
-            <a:r>
-              <a:rPr lang="en-US" sz="2000" dirty="0"/>
-              <a:t>(</a:t>
-            </a:r>
-            <a:r>
-              <a:rPr lang="en-US" sz="2000" dirty="0" err="1"/>
-              <a:t>this.model</a:t>
-            </a:r>
-            <a:r>
-              <a:rPr lang="en-US" sz="2000" dirty="0"/>
-              <a:t>, "change", </a:t>
-            </a:r>
-            <a:r>
-              <a:rPr lang="en-US" sz="2000" dirty="0" err="1"/>
-              <a:t>this.render</a:t>
-            </a:r>
-            <a:r>
-              <a:rPr lang="en-US" sz="2000" dirty="0"/>
-              <a:t>);</a:t>
-            </a:r>
-          </a:p>
-          <a:p>
-            <a:pPr algn="l"/>
-            <a:r>
-              <a:rPr lang="en-US" sz="2000" dirty="0"/>
-              <a:t>  }</a:t>
-            </a:r>
-            <a:r>
-              <a:rPr lang="en-US" sz="2000" dirty="0" smtClean="0"/>
-              <a:t>,</a:t>
-            </a:r>
-          </a:p>
-          <a:p>
-            <a:pPr algn="l"/>
-            <a:r>
-              <a:rPr lang="en-US" sz="2000" dirty="0"/>
-              <a:t> </a:t>
-            </a:r>
-            <a:r>
-              <a:rPr lang="en-US" sz="2000" dirty="0" smtClean="0"/>
-              <a:t> template</a:t>
-            </a:r>
-            <a:r>
-              <a:rPr lang="en-US" sz="2000" dirty="0"/>
-              <a:t>: function () </a:t>
-            </a:r>
-            <a:r>
-              <a:rPr lang="en-US" sz="2000" dirty="0" smtClean="0"/>
-              <a:t>{ </a:t>
-            </a:r>
-            <a:r>
-              <a:rPr lang="en-US" sz="2000" dirty="0" err="1" smtClean="0"/>
-              <a:t>Handlebars.compile</a:t>
-            </a:r>
-            <a:r>
-              <a:rPr lang="en-US" sz="2000" dirty="0"/>
-              <a:t>( $("</a:t>
-            </a:r>
-            <a:r>
-              <a:rPr lang="en-US" sz="2000" dirty="0" smtClean="0"/>
-              <a:t>#</a:t>
-            </a:r>
-            <a:r>
-              <a:rPr lang="en-US" sz="2000" dirty="0" err="1" smtClean="0"/>
-              <a:t>dr</a:t>
-            </a:r>
-            <a:r>
-              <a:rPr lang="en-US" sz="2000" dirty="0" smtClean="0"/>
-              <a:t>-template</a:t>
-            </a:r>
-            <a:r>
-              <a:rPr lang="en-US" sz="2000" dirty="0"/>
-              <a:t>").html() )</a:t>
-            </a:r>
-            <a:r>
-              <a:rPr lang="en-US" sz="2000" dirty="0" smtClean="0"/>
-              <a:t>; }</a:t>
-            </a:r>
-            <a:endParaRPr lang="en-US" sz="2000" dirty="0"/>
-          </a:p>
-          <a:p>
-            <a:pPr algn="l"/>
-            <a:r>
-              <a:rPr lang="en-US" sz="2000" dirty="0"/>
-              <a:t>  render: </a:t>
-            </a:r>
-            <a:r>
-              <a:rPr lang="en-US" sz="2000" dirty="0" smtClean="0"/>
-              <a:t>function (</a:t>
-            </a:r>
-            <a:r>
-              <a:rPr lang="en-US" sz="2000" dirty="0"/>
-              <a:t>) </a:t>
-            </a:r>
-            <a:r>
-              <a:rPr lang="en-US" sz="2000" dirty="0" smtClean="0"/>
-              <a:t>{  this.$</a:t>
-            </a:r>
-            <a:r>
-              <a:rPr lang="en-US" sz="2000" dirty="0" err="1" smtClean="0"/>
-              <a:t>el.html</a:t>
-            </a:r>
-            <a:r>
-              <a:rPr lang="en-US" sz="2000" dirty="0" smtClean="0"/>
-              <a:t>( </a:t>
-            </a:r>
-            <a:r>
-              <a:rPr lang="en-US" sz="2000" dirty="0" err="1" smtClean="0"/>
-              <a:t>this.template</a:t>
-            </a:r>
-            <a:r>
-              <a:rPr lang="en-US" sz="2000" dirty="0" smtClean="0"/>
-              <a:t>(); ) }</a:t>
-            </a:r>
-            <a:endParaRPr lang="en-US" sz="2000" dirty="0"/>
-          </a:p>
-          <a:p>
-            <a:pPr algn="l"/>
-            <a:r>
-              <a:rPr lang="en-US" sz="2000" dirty="0" smtClean="0"/>
-              <a:t>}</a:t>
-            </a:r>
-            <a:r>
-              <a:rPr lang="en-US" sz="2000" dirty="0"/>
-              <a:t>);</a:t>
-            </a:r>
-            <a:endParaRPr lang="en-US" sz="2000" dirty="0" smtClean="0"/>
-          </a:p>
-        </p:txBody>
-      </p:sp>
-    </p:spTree>
-    <p:extLst>
-      <p:ext uri="{BB962C8B-B14F-4D97-AF65-F5344CB8AC3E}">
-        <p14:creationId xmlns:p14="http://schemas.microsoft.com/office/powerpoint/2010/main" val="3561164058"/>
-      </p:ext>
-    </p:extLst>
-  </p:cSld>
-  <p:clrMapOvr>
-    <a:masterClrMapping/>
-  </p:clrMapOvr>
-  <p:timing>
-    <p:tnLst>
-      <p:par>
-        <p:cTn xmlns:p14="http://schemas.microsoft.com/office/powerpoint/2010/main" id="1" dur="indefinite" restart="never" nodeType="tmRoot"/>
-      </p:par>
-    </p:tnLst>
-  </p:timing>
-</p:sld>
-</file>
-
-<file path=ppt/slides/slide17.xml><?xml version="1.0" encoding="utf-8"?>
-<p:sld xmlns:a="http://schemas.openxmlformats.org/drawingml/2006/main" xmlns:r="http://schemas.openxmlformats.org/officeDocument/2006/relationships" xmlns:p="http://schemas.openxmlformats.org/presentationml/2006/main">
-  <p:cSld>
-    <p:spTree>
-      <p:nvGrpSpPr>
-        <p:cNvPr id="1" name=""/>
-        <p:cNvGrpSpPr/>
-        <p:nvPr/>
-      </p:nvGrpSpPr>
-      <p:grpSpPr>
-        <a:xfrm>
-          <a:off x="0" y="0"/>
-          <a:ext cx="0" cy="0"/>
-          <a:chOff x="0" y="0"/>
-          <a:chExt cx="0" cy="0"/>
-        </a:xfrm>
-      </p:grpSpPr>
-      <p:sp>
-        <p:nvSpPr>
-          <p:cNvPr id="2" name="Title 1"/>
-          <p:cNvSpPr>
-            <a:spLocks noGrp="1"/>
-          </p:cNvSpPr>
-          <p:nvPr>
-            <p:ph type="ctrTitle"/>
-          </p:nvPr>
-        </p:nvSpPr>
-        <p:spPr>
-          <a:xfrm>
-            <a:off x="685800" y="160685"/>
-            <a:ext cx="7772400" cy="1470025"/>
-          </a:xfrm>
-        </p:spPr>
-        <p:txBody>
-          <a:bodyPr/>
-          <a:lstStyle/>
-          <a:p>
-            <a:r>
-              <a:rPr lang="en-US" dirty="0" smtClean="0"/>
-              <a:t>Lab: Let's start a SPA</a:t>
-            </a:r>
-            <a:endParaRPr lang="en-US" dirty="0"/>
-          </a:p>
-        </p:txBody>
-      </p:sp>
-      <p:sp>
-        <p:nvSpPr>
-          <p:cNvPr id="3" name="Subtitle 2"/>
-          <p:cNvSpPr>
-            <a:spLocks noGrp="1"/>
-          </p:cNvSpPr>
-          <p:nvPr>
-            <p:ph type="subTitle" idx="1"/>
-          </p:nvPr>
-        </p:nvSpPr>
-        <p:spPr>
-          <a:xfrm>
-            <a:off x="454651" y="1630710"/>
-            <a:ext cx="8371875" cy="4609893"/>
-          </a:xfrm>
-        </p:spPr>
-        <p:txBody>
-          <a:bodyPr>
-            <a:normAutofit/>
-          </a:bodyPr>
-          <a:lstStyle/>
-          <a:p>
-            <a:pPr algn="l"/>
-            <a:r>
-              <a:rPr lang="en-US" sz="2000" dirty="0"/>
-              <a:t> - Convert server-side static page to SPA</a:t>
-            </a:r>
-          </a:p>
-          <a:p>
-            <a:pPr algn="l"/>
-            <a:r>
-              <a:rPr lang="en-US" sz="2000" dirty="0"/>
-              <a:t> - Make client-side directory</a:t>
-            </a:r>
-          </a:p>
-          <a:p>
-            <a:pPr algn="l"/>
-            <a:r>
-              <a:rPr lang="en-US" sz="2000" dirty="0"/>
-              <a:t> - Add Backbone models, views</a:t>
-            </a:r>
-          </a:p>
-          <a:p>
-            <a:pPr algn="l"/>
-            <a:r>
-              <a:rPr lang="en-US" sz="2000" dirty="0"/>
-              <a:t> - Set up client side tools (gulp, karma, jasmine, watch)</a:t>
-            </a:r>
-          </a:p>
-          <a:p>
-            <a:pPr algn="l"/>
-            <a:r>
-              <a:rPr lang="en-US" sz="2000" dirty="0"/>
-              <a:t> - Write </a:t>
-            </a:r>
-            <a:r>
-              <a:rPr lang="en-US" sz="2000" dirty="0" smtClean="0"/>
-              <a:t>tests</a:t>
-            </a:r>
-          </a:p>
-          <a:p>
-            <a:pPr algn="l"/>
-            <a:r>
-              <a:rPr lang="en-US" sz="2000" dirty="0"/>
-              <a:t> </a:t>
-            </a:r>
-            <a:r>
-              <a:rPr lang="en-US" sz="2000" dirty="0" smtClean="0"/>
-              <a:t>- 2 hours, then 15 min break</a:t>
-            </a:r>
-          </a:p>
-        </p:txBody>
-      </p:sp>
-    </p:spTree>
-    <p:extLst>
-      <p:ext uri="{BB962C8B-B14F-4D97-AF65-F5344CB8AC3E}">
-        <p14:creationId xmlns:p14="http://schemas.microsoft.com/office/powerpoint/2010/main" val="1672320244"/>
+        <p14:creationId xmlns:p14="http://schemas.microsoft.com/office/powerpoint/2010/main" val="2631646988"/>
       </p:ext>
     </p:extLst>
   </p:cSld>
@@ -5177,7 +3746,11 @@
             </a:pPr>
             <a:r>
               <a:rPr lang="en-US" sz="1600" dirty="0" smtClean="0"/>
-              <a:t>Review day one</a:t>
+              <a:t>Review day </a:t>
+            </a:r>
+            <a:r>
+              <a:rPr lang="en-US" sz="1600" dirty="0" smtClean="0"/>
+              <a:t>one</a:t>
             </a:r>
           </a:p>
           <a:p>
@@ -5186,10 +3759,17 @@
               <a:buChar char="•"/>
             </a:pPr>
             <a:r>
+              <a:rPr lang="en-US" sz="1600" dirty="0" smtClean="0"/>
+              <a:t>Express </a:t>
+            </a:r>
+            <a:r>
               <a:rPr lang="en-US" sz="1600" dirty="0" err="1" smtClean="0"/>
-              <a:t>Socket.IO</a:t>
-            </a:r>
-            <a:endParaRPr lang="en-US" sz="1600" dirty="0" smtClean="0"/>
+              <a:t>Erro</a:t>
+            </a:r>
+            <a:r>
+              <a:rPr lang="en-US" sz="1600" dirty="0" smtClean="0"/>
+              <a:t> Handling</a:t>
+            </a:r>
           </a:p>
           <a:p>
             <a:pPr marL="342900" indent="-342900" algn="l">
@@ -5197,14 +3777,9 @@
               <a:buChar char="•"/>
             </a:pPr>
             <a:r>
-              <a:rPr lang="en-US" sz="1600" dirty="0"/>
-              <a:t>Lab: </a:t>
-            </a:r>
-            <a:r>
-              <a:rPr lang="en-US" sz="1600" dirty="0" err="1"/>
-              <a:t>Socket.IO</a:t>
-            </a:r>
-            <a:endParaRPr lang="en-US" sz="1600" dirty="0"/>
+              <a:rPr lang="en-US" sz="1600" dirty="0" smtClean="0"/>
+              <a:t>Lab: Error handling</a:t>
+            </a:r>
           </a:p>
           <a:p>
             <a:pPr marL="342900" indent="-342900" algn="l">
@@ -5213,7 +3788,7 @@
             </a:pPr>
             <a:r>
               <a:rPr lang="en-US" sz="1600" dirty="0" smtClean="0"/>
-              <a:t>(break)</a:t>
+              <a:t>( break )</a:t>
             </a:r>
           </a:p>
           <a:p>
@@ -5223,7 +3798,7 @@
             </a:pPr>
             <a:r>
               <a:rPr lang="en-US" sz="1600" dirty="0" smtClean="0"/>
-              <a:t>Backbone overview </a:t>
+              <a:t>Express Views</a:t>
             </a:r>
           </a:p>
           <a:p>
@@ -5233,7 +3808,7 @@
             </a:pPr>
             <a:r>
               <a:rPr lang="en-US" sz="1600" dirty="0" smtClean="0"/>
-              <a:t>Intro to Overview</a:t>
+              <a:t>Lab: convert routes to templates</a:t>
             </a:r>
           </a:p>
           <a:p>
@@ -5243,7 +3818,7 @@
             </a:pPr>
             <a:r>
               <a:rPr lang="en-US" sz="1600" dirty="0" smtClean="0"/>
-              <a:t>Backbone Models</a:t>
+              <a:t>( lunch )</a:t>
             </a:r>
           </a:p>
           <a:p>
@@ -5253,7 +3828,7 @@
             </a:pPr>
             <a:r>
               <a:rPr lang="en-US" sz="1600" dirty="0" smtClean="0"/>
-              <a:t>Lab: Backbone Models</a:t>
+              <a:t>CORS</a:t>
             </a:r>
           </a:p>
           <a:p>
@@ -5263,7 +3838,7 @@
             </a:pPr>
             <a:r>
               <a:rPr lang="en-US" sz="1600" dirty="0" smtClean="0"/>
-              <a:t>(lunch)</a:t>
+              <a:t>Lab: CORS</a:t>
             </a:r>
           </a:p>
           <a:p>
@@ -5272,8 +3847,8 @@
               <a:buChar char="•"/>
             </a:pPr>
             <a:r>
-              <a:rPr lang="en-US" sz="1600" dirty="0" smtClean="0"/>
-              <a:t>Backbone Views</a:t>
+              <a:rPr lang="en-US" sz="1600" dirty="0"/>
+              <a:t>( break )</a:t>
             </a:r>
           </a:p>
           <a:p>
@@ -5282,8 +3857,16 @@
               <a:buChar char="•"/>
             </a:pPr>
             <a:r>
+              <a:rPr lang="en-US" sz="1600" dirty="0" err="1"/>
+              <a:t>RESTful</a:t>
+            </a:r>
+            <a:r>
+              <a:rPr lang="en-US" sz="1600" dirty="0"/>
+              <a:t> </a:t>
+            </a:r>
+            <a:r>
               <a:rPr lang="en-US" sz="1600" dirty="0" smtClean="0"/>
-              <a:t>Lab: convert server-side static page to SPA</a:t>
+              <a:t>APIs</a:t>
             </a:r>
           </a:p>
           <a:p>
@@ -5293,42 +3876,20 @@
             </a:pPr>
             <a:r>
               <a:rPr lang="en-US" sz="1600" dirty="0" smtClean="0"/>
-              <a:t>(break)</a:t>
-            </a:r>
-          </a:p>
-          <a:p>
-            <a:pPr marL="342900" indent="-342900" algn="l">
-              <a:buFont typeface="Arial"/>
-              <a:buChar char="•"/>
-            </a:pPr>
+              <a:t>Lab: Implement a </a:t>
+            </a:r>
+            <a:r>
+              <a:rPr lang="en-US" sz="1600" dirty="0" err="1"/>
+              <a:t>RESTful</a:t>
+            </a:r>
+            <a:r>
+              <a:rPr lang="en-US" sz="1600" dirty="0"/>
+              <a:t> </a:t>
+            </a:r>
             <a:r>
               <a:rPr lang="en-US" sz="1600" dirty="0" smtClean="0"/>
-              <a:t>Discussion/Q&amp;A</a:t>
-            </a:r>
-          </a:p>
-          <a:p>
-            <a:pPr marL="342900" indent="-342900" algn="l">
-              <a:buFont typeface="Arial"/>
-              <a:buChar char="•"/>
-            </a:pPr>
-            <a:r>
-              <a:rPr lang="en-US" sz="1600" dirty="0" smtClean="0"/>
-              <a:t>Lab: continue SPA conversion</a:t>
-            </a:r>
-            <a:endParaRPr lang="en-US" sz="1600" dirty="0"/>
-          </a:p>
-          <a:p>
-            <a:pPr marL="342900" indent="-342900" algn="l">
-              <a:buFont typeface="Arial"/>
-              <a:buChar char="•"/>
-            </a:pPr>
-            <a:endParaRPr lang="en-US" sz="1600" dirty="0" smtClean="0"/>
-          </a:p>
-          <a:p>
-            <a:pPr marL="342900" indent="-342900" algn="l">
-              <a:buFont typeface="Arial"/>
-              <a:buChar char="•"/>
-            </a:pPr>
+              <a:t>API</a:t>
+            </a:r>
             <a:endParaRPr lang="en-US" sz="1600" dirty="0" smtClean="0"/>
           </a:p>
         </p:txBody>
@@ -5391,8 +3952,8 @@
           <a:lstStyle/>
           <a:p>
             <a:r>
-              <a:rPr lang="en-US" dirty="0" err="1" smtClean="0"/>
-              <a:t>Socket.IO</a:t>
+              <a:rPr lang="en-US" dirty="0" smtClean="0"/>
+              <a:t>Express Error handling</a:t>
             </a:r>
             <a:endParaRPr lang="en-US" dirty="0"/>
           </a:p>
@@ -5420,20 +3981,13 @@
           </a:bodyPr>
           <a:lstStyle/>
           <a:p>
-            <a:pPr algn="l"/>
-            <a:r>
-              <a:rPr lang="en-US" sz="2000" dirty="0" smtClean="0"/>
-              <a:t>Why use it?</a:t>
-            </a:r>
-          </a:p>
-          <a:p>
             <a:pPr marL="342900" indent="-342900" algn="l">
               <a:buFont typeface="Arial"/>
               <a:buChar char="•"/>
             </a:pPr>
             <a:r>
               <a:rPr lang="en-US" sz="2000" dirty="0" smtClean="0"/>
-              <a:t>Most communication has to go through a socket</a:t>
+              <a:t>Error handler functions get four arguments</a:t>
             </a:r>
           </a:p>
           <a:p>
@@ -5443,7 +3997,7 @@
             </a:pPr>
             <a:r>
               <a:rPr lang="en-US" sz="2000" dirty="0" smtClean="0"/>
-              <a:t>HTTP opens a socket, communicates, closes</a:t>
+              <a:t>Error, Request, Response, Next</a:t>
             </a:r>
           </a:p>
           <a:p>
@@ -5453,7 +4007,15 @@
             </a:pPr>
             <a:r>
               <a:rPr lang="en-US" sz="2000" dirty="0" smtClean="0"/>
-              <a:t>This gets expensive for multiplexed or streaming data</a:t>
+              <a:t>Define error handlers last, after other </a:t>
+            </a:r>
+            <a:r>
+              <a:rPr lang="en-US" sz="2000" dirty="0" err="1" smtClean="0"/>
+              <a:t>app.use</a:t>
+            </a:r>
+            <a:r>
+              <a:rPr lang="en-US" sz="2000" dirty="0" smtClean="0"/>
+              <a:t>() and routes</a:t>
             </a:r>
           </a:p>
           <a:p>
@@ -5461,118 +4023,110 @@
               <a:buFont typeface="Arial"/>
               <a:buChar char="•"/>
             </a:pPr>
-            <a:r>
-              <a:rPr lang="en-US" sz="2000" dirty="0" smtClean="0"/>
-              <a:t>Modern browsers provide </a:t>
-            </a:r>
-            <a:r>
-              <a:rPr lang="en-US" sz="2000" dirty="0" err="1" smtClean="0"/>
-              <a:t>Websocket</a:t>
-            </a:r>
-            <a:r>
-              <a:rPr lang="en-US" sz="2000" dirty="0" smtClean="0"/>
-              <a:t> API</a:t>
-            </a:r>
-          </a:p>
-          <a:p>
-            <a:pPr marL="342900" indent="-342900" algn="l">
-              <a:buFont typeface="Arial"/>
-              <a:buChar char="•"/>
-            </a:pPr>
-            <a:r>
-              <a:rPr lang="en-US" sz="2000" dirty="0" smtClean="0"/>
-              <a:t>Older browsers have to fallback to another method</a:t>
-            </a:r>
-          </a:p>
-          <a:p>
-            <a:pPr marL="342900" indent="-342900" algn="l">
-              <a:buFont typeface="Arial"/>
-              <a:buChar char="•"/>
-            </a:pPr>
+            <a:endParaRPr lang="en-US" sz="2000" dirty="0"/>
+          </a:p>
+          <a:p>
+            <a:pPr algn="l"/>
+            <a:r>
+              <a:rPr lang="en-US" sz="2000" dirty="0" err="1"/>
+              <a:t>app.use</a:t>
+            </a:r>
+            <a:r>
+              <a:rPr lang="en-US" sz="2000" dirty="0"/>
+              <a:t>(</a:t>
+            </a:r>
+            <a:r>
+              <a:rPr lang="en-US" sz="2000" dirty="0" err="1"/>
+              <a:t>bodyParser</a:t>
+            </a:r>
+            <a:r>
+              <a:rPr lang="en-US" sz="2000" dirty="0"/>
+              <a:t>());</a:t>
+            </a:r>
+          </a:p>
+          <a:p>
+            <a:pPr algn="l"/>
+            <a:r>
+              <a:rPr lang="en-US" sz="2000" dirty="0" err="1"/>
+              <a:t>app.use</a:t>
+            </a:r>
+            <a:r>
+              <a:rPr lang="en-US" sz="2000" dirty="0"/>
+              <a:t>(</a:t>
+            </a:r>
+            <a:r>
+              <a:rPr lang="en-US" sz="2000" dirty="0" err="1"/>
+              <a:t>methodOverride</a:t>
+            </a:r>
+            <a:r>
+              <a:rPr lang="en-US" sz="2000" dirty="0"/>
+              <a:t>());</a:t>
+            </a:r>
+          </a:p>
+          <a:p>
+            <a:pPr algn="l"/>
+            <a:r>
+              <a:rPr lang="en-US" sz="2000" dirty="0" err="1"/>
+              <a:t>app.use</a:t>
+            </a:r>
+            <a:r>
+              <a:rPr lang="en-US" sz="2000" dirty="0"/>
+              <a:t>(</a:t>
+            </a:r>
+            <a:r>
+              <a:rPr lang="en-US" sz="2000" dirty="0" err="1"/>
+              <a:t>logErrors</a:t>
+            </a:r>
+            <a:r>
+              <a:rPr lang="en-US" sz="2000" dirty="0"/>
+              <a:t>);</a:t>
+            </a:r>
+          </a:p>
+          <a:p>
+            <a:pPr algn="l"/>
+            <a:r>
+              <a:rPr lang="en-US" sz="2000" dirty="0" err="1"/>
+              <a:t>app.use</a:t>
+            </a:r>
+            <a:r>
+              <a:rPr lang="en-US" sz="2000" dirty="0"/>
+              <a:t>(</a:t>
+            </a:r>
+            <a:r>
+              <a:rPr lang="en-US" sz="2000" dirty="0" err="1"/>
+              <a:t>clientErrorHandler</a:t>
+            </a:r>
+            <a:r>
+              <a:rPr lang="en-US" sz="2000" dirty="0"/>
+              <a:t>);</a:t>
+            </a:r>
+          </a:p>
+          <a:p>
+            <a:pPr algn="l"/>
+            <a:r>
+              <a:rPr lang="en-US" sz="2000" dirty="0" err="1"/>
+              <a:t>app.use</a:t>
+            </a:r>
+            <a:r>
+              <a:rPr lang="en-US" sz="2000" dirty="0"/>
+              <a:t>(</a:t>
+            </a:r>
+            <a:r>
+              <a:rPr lang="en-US" sz="2000" dirty="0" err="1"/>
+              <a:t>errorHandler</a:t>
+            </a:r>
+            <a:r>
+              <a:rPr lang="en-US" sz="2000" dirty="0"/>
+              <a:t>);</a:t>
+            </a:r>
             <a:endParaRPr lang="en-US" sz="2000" dirty="0" smtClean="0"/>
-          </a:p>
-          <a:p>
-            <a:pPr algn="l"/>
-            <a:r>
-              <a:rPr lang="en-US" sz="2000" dirty="0" smtClean="0"/>
-              <a:t>BEWARE! Node client vulnerable</a:t>
-            </a:r>
-          </a:p>
-          <a:p>
-            <a:pPr marL="342900" indent="-342900" algn="l">
-              <a:buFont typeface="Arial"/>
-              <a:buChar char="•"/>
-            </a:pPr>
-            <a:r>
-              <a:rPr lang="en-US" sz="2000" dirty="0" smtClean="0"/>
-              <a:t>Report indicates Node client susceptible to Man-In-The-Middle attack</a:t>
-            </a:r>
-          </a:p>
-          <a:p>
-            <a:pPr marL="342900" indent="-342900" algn="l">
-              <a:buFont typeface="Arial"/>
-              <a:buChar char="•"/>
-            </a:pPr>
-            <a:r>
-              <a:rPr lang="en-US" sz="2000" dirty="0" smtClean="0"/>
-              <a:t>Only affects Node client – Node server &amp; browser client unaffected</a:t>
-            </a:r>
-          </a:p>
-          <a:p>
-            <a:pPr marL="342900" indent="-342900" algn="l">
-              <a:buFont typeface="Arial"/>
-              <a:buChar char="•"/>
-            </a:pPr>
-            <a:r>
-              <a:rPr lang="en-US" sz="2000" dirty="0" smtClean="0"/>
-              <a:t>https</a:t>
-            </a:r>
-            <a:r>
-              <a:rPr lang="en-US" sz="2000" dirty="0"/>
-              <a:t>://</a:t>
-            </a:r>
-            <a:r>
-              <a:rPr lang="en-US" sz="2000" dirty="0" err="1"/>
-              <a:t>www.cigital.com</a:t>
-            </a:r>
-            <a:r>
-              <a:rPr lang="en-US" sz="2000" dirty="0"/>
-              <a:t>/blog/node-</a:t>
-            </a:r>
-            <a:r>
-              <a:rPr lang="en-US" sz="2000" dirty="0" err="1"/>
-              <a:t>js</a:t>
-            </a:r>
-            <a:r>
-              <a:rPr lang="en-US" sz="2000" dirty="0"/>
-              <a:t>-socket-</a:t>
-            </a:r>
-            <a:r>
-              <a:rPr lang="en-US" sz="2000" dirty="0" err="1"/>
-              <a:t>io</a:t>
-            </a:r>
-            <a:r>
-              <a:rPr lang="en-US" sz="2000" dirty="0" smtClean="0"/>
-              <a:t>/</a:t>
-            </a:r>
-          </a:p>
-          <a:p>
-            <a:pPr marL="342900" indent="-342900" algn="l">
-              <a:buFont typeface="Arial"/>
-              <a:buChar char="•"/>
-            </a:pPr>
-            <a:r>
-              <a:rPr lang="en-US" sz="2000" dirty="0" smtClean="0"/>
-              <a:t>Zero-day vulnerability (i.e., unpatched) as of 4/27/2016</a:t>
-            </a:r>
-            <a:endParaRPr lang="en-US" sz="2000" dirty="0"/>
           </a:p>
         </p:txBody>
       </p:sp>
     </p:spTree>
     <p:extLst>
       <p:ext uri="{BB962C8B-B14F-4D97-AF65-F5344CB8AC3E}">
-        <p14:creationId xmlns:p14="http://schemas.microsoft.com/office/powerpoint/2010/main" val="4200027496"/>
+        <p14:creationId xmlns:p14="http://schemas.microsoft.com/office/powerpoint/2010/main" val="83207657"/>
       </p:ext>
     </p:extLst>
   </p:cSld>
@@ -5627,8 +4181,8 @@
           <a:lstStyle/>
           <a:p>
             <a:r>
-              <a:rPr lang="en-US" dirty="0" err="1" smtClean="0"/>
-              <a:t>Socket.IO</a:t>
+              <a:rPr lang="en-US" dirty="0" smtClean="0"/>
+              <a:t>Lab: Error handlers</a:t>
             </a:r>
             <a:endParaRPr lang="en-US" dirty="0"/>
           </a:p>
@@ -5658,152 +4212,46 @@
           <a:p>
             <a:pPr algn="l"/>
             <a:r>
-              <a:rPr lang="en-US" sz="2000" dirty="0" smtClean="0"/>
-              <a:t>Browser API</a:t>
+              <a:rPr lang="en-US" sz="2400" dirty="0"/>
+              <a:t> - Write error handlers</a:t>
             </a:r>
           </a:p>
           <a:p>
             <a:pPr algn="l"/>
-            <a:endParaRPr lang="en-US" sz="2000" dirty="0"/>
+            <a:r>
+              <a:rPr lang="en-US" sz="2400" dirty="0"/>
+              <a:t> - Explore effective error handling </a:t>
+            </a:r>
+            <a:r>
+              <a:rPr lang="en-US" sz="2400" dirty="0" smtClean="0"/>
+              <a:t>structure</a:t>
+            </a:r>
           </a:p>
           <a:p>
             <a:pPr algn="l"/>
             <a:r>
-              <a:rPr lang="en-US" sz="2000" dirty="0" err="1"/>
-              <a:t>var</a:t>
-            </a:r>
-            <a:r>
-              <a:rPr lang="en-US" sz="2000" dirty="0"/>
-              <a:t> socket = new </a:t>
-            </a:r>
-            <a:r>
-              <a:rPr lang="en-US" sz="2000" dirty="0" err="1"/>
-              <a:t>io.Socket</a:t>
-            </a:r>
-            <a:r>
-              <a:rPr lang="en-US" sz="2000" dirty="0"/>
-              <a:t>('</a:t>
-            </a:r>
-            <a:r>
-              <a:rPr lang="en-US" sz="2000" dirty="0" err="1"/>
-              <a:t>localhost</a:t>
-            </a:r>
-            <a:r>
-              <a:rPr lang="en-US" sz="2000" dirty="0"/>
-              <a:t>',{</a:t>
-            </a:r>
-          </a:p>
-          <a:p>
-            <a:pPr algn="l"/>
-            <a:r>
-              <a:rPr lang="en-US" sz="2000" dirty="0" smtClean="0"/>
-              <a:t>  port</a:t>
-            </a:r>
-            <a:r>
-              <a:rPr lang="en-US" sz="2000" dirty="0"/>
-              <a:t>: 8080</a:t>
-            </a:r>
-          </a:p>
-          <a:p>
-            <a:pPr algn="l"/>
-            <a:r>
-              <a:rPr lang="en-US" sz="2000" dirty="0"/>
-              <a:t>});</a:t>
-            </a:r>
-          </a:p>
-          <a:p>
-            <a:pPr algn="l"/>
-            <a:r>
-              <a:rPr lang="en-US" sz="2000" dirty="0" err="1"/>
-              <a:t>socket.connect</a:t>
-            </a:r>
-            <a:r>
-              <a:rPr lang="en-US" sz="2000" dirty="0"/>
-              <a:t>(); </a:t>
-            </a:r>
-          </a:p>
-          <a:p>
-            <a:pPr algn="l"/>
-            <a:r>
-              <a:rPr lang="en-US" sz="2000" dirty="0" err="1"/>
-              <a:t>socket.send</a:t>
-            </a:r>
-            <a:r>
-              <a:rPr lang="en-US" sz="2000" dirty="0" smtClean="0"/>
-              <a:t>('It is that simple')</a:t>
-            </a:r>
-            <a:r>
-              <a:rPr lang="en-US" sz="2000" dirty="0"/>
-              <a:t>;</a:t>
-            </a:r>
-          </a:p>
-          <a:p>
-            <a:pPr algn="l"/>
-            <a:endParaRPr lang="en-US" sz="2000" dirty="0" smtClean="0"/>
-          </a:p>
-          <a:p>
-            <a:pPr algn="l"/>
-            <a:r>
-              <a:rPr lang="en-US" sz="2000" dirty="0" smtClean="0"/>
-              <a:t>// lots of event to bind to</a:t>
-            </a:r>
-          </a:p>
-          <a:p>
-            <a:pPr algn="l"/>
-            <a:r>
-              <a:rPr lang="en-US" sz="2000" dirty="0" err="1" smtClean="0"/>
-              <a:t>socket.on</a:t>
-            </a:r>
-            <a:r>
-              <a:rPr lang="en-US" sz="2000" dirty="0"/>
-              <a:t>('</a:t>
-            </a:r>
-            <a:r>
-              <a:rPr lang="en-US" sz="2000" dirty="0" err="1"/>
-              <a:t>connect',function</a:t>
-            </a:r>
-            <a:r>
-              <a:rPr lang="en-US" sz="2000" dirty="0"/>
-              <a:t>() {</a:t>
-            </a:r>
-          </a:p>
-          <a:p>
-            <a:pPr algn="l"/>
-            <a:r>
-              <a:rPr lang="en-US" sz="2000" dirty="0" smtClean="0"/>
-              <a:t>  </a:t>
-            </a:r>
-            <a:r>
-              <a:rPr lang="en-US" sz="2000" dirty="0" err="1" smtClean="0"/>
-              <a:t>console.log</a:t>
-            </a:r>
-            <a:r>
-              <a:rPr lang="en-US" sz="2000" dirty="0"/>
-              <a:t>('Client has connected to the server!');</a:t>
-            </a:r>
-          </a:p>
-          <a:p>
-            <a:pPr algn="l"/>
-            <a:r>
-              <a:rPr lang="en-US" sz="2000" dirty="0"/>
-              <a:t>});</a:t>
-            </a:r>
-            <a:endParaRPr lang="en-US" sz="2000" dirty="0" smtClean="0"/>
-          </a:p>
-          <a:p>
-            <a:pPr algn="l"/>
-            <a:endParaRPr lang="en-US" sz="2000" dirty="0"/>
-          </a:p>
-          <a:p>
-            <a:pPr algn="l"/>
-            <a:endParaRPr lang="en-US" sz="2000" dirty="0"/>
+              <a:rPr lang="en-US" sz="2400" dirty="0"/>
+              <a:t> </a:t>
+            </a:r>
+            <a:r>
+              <a:rPr lang="en-US" sz="2400" dirty="0" smtClean="0"/>
+              <a:t>- 60 </a:t>
+            </a:r>
+            <a:r>
+              <a:rPr lang="en-US" sz="2400" dirty="0" err="1" smtClean="0"/>
+              <a:t>mins</a:t>
+            </a:r>
+            <a:r>
+              <a:rPr lang="en-US" sz="2400" dirty="0" smtClean="0"/>
+              <a:t>, then 15 min break</a:t>
+            </a:r>
           </a:p>
         </p:txBody>
       </p:sp>
     </p:spTree>
     <p:extLst>
       <p:ext uri="{BB962C8B-B14F-4D97-AF65-F5344CB8AC3E}">
-        <p14:creationId xmlns:p14="http://schemas.microsoft.com/office/powerpoint/2010/main" val="2452921109"/>
+        <p14:creationId xmlns:p14="http://schemas.microsoft.com/office/powerpoint/2010/main" val="2016295674"/>
       </p:ext>
     </p:extLst>
   </p:cSld>
@@ -5858,8 +4306,8 @@
           <a:lstStyle/>
           <a:p>
             <a:r>
-              <a:rPr lang="en-US" dirty="0" err="1" smtClean="0"/>
-              <a:t>Socket.IO</a:t>
+              <a:rPr lang="en-US" dirty="0" smtClean="0"/>
+              <a:t>Express Views</a:t>
             </a:r>
             <a:endParaRPr lang="en-US" dirty="0"/>
           </a:p>
@@ -5883,239 +4331,162 @@
         </p:spPr>
         <p:txBody>
           <a:bodyPr>
-            <a:normAutofit fontScale="85000" lnSpcReduction="10000"/>
+            <a:normAutofit/>
           </a:bodyPr>
           <a:lstStyle/>
           <a:p>
+            <a:pPr marL="342900" indent="-342900" algn="l">
+              <a:buFont typeface="Arial"/>
+              <a:buChar char="•"/>
+            </a:pPr>
+            <a:r>
+              <a:rPr lang="en-US" sz="2400" dirty="0" smtClean="0"/>
+              <a:t>Express is not an MVC</a:t>
+            </a:r>
+          </a:p>
+          <a:p>
+            <a:pPr marL="342900" indent="-342900" algn="l">
+              <a:buFont typeface="Arial"/>
+              <a:buChar char="•"/>
+            </a:pPr>
+            <a:r>
+              <a:rPr lang="en-US" sz="2400" dirty="0" smtClean="0"/>
+              <a:t>"Views" are routes that are matched to templates</a:t>
+            </a:r>
+          </a:p>
+          <a:p>
+            <a:pPr marL="342900" indent="-342900" algn="l">
+              <a:buFont typeface="Arial"/>
+              <a:buChar char="•"/>
+            </a:pPr>
+            <a:r>
+              <a:rPr lang="en-US" sz="2400" dirty="0" smtClean="0"/>
+              <a:t>First, configure a template engine</a:t>
+            </a:r>
+          </a:p>
+          <a:p>
+            <a:pPr marL="342900" indent="-342900" algn="l">
+              <a:buFont typeface="Arial"/>
+              <a:buChar char="•"/>
+            </a:pPr>
+            <a:r>
+              <a:rPr lang="en-US" sz="2400" dirty="0" err="1"/>
+              <a:t>app.set</a:t>
+            </a:r>
+            <a:r>
+              <a:rPr lang="en-US" sz="2400" dirty="0"/>
+              <a:t>('view engine', 'mustache');</a:t>
+            </a:r>
+          </a:p>
+          <a:p>
+            <a:pPr marL="342900" indent="-342900" algn="l">
+              <a:buFont typeface="Arial"/>
+              <a:buChar char="•"/>
+            </a:pPr>
+            <a:r>
+              <a:rPr lang="en-US" sz="2400" dirty="0" smtClean="0"/>
+              <a:t>Then call render with a file name and template data</a:t>
+            </a:r>
+          </a:p>
+          <a:p>
+            <a:pPr marL="342900" indent="-342900" algn="l">
+              <a:buFont typeface="Arial"/>
+              <a:buChar char="•"/>
+            </a:pPr>
+            <a:endParaRPr lang="en-US" sz="2400" dirty="0"/>
+          </a:p>
+          <a:p>
             <a:pPr algn="l"/>
             <a:r>
-              <a:rPr lang="en-US" sz="2000" dirty="0" smtClean="0"/>
-              <a:t>Server API</a:t>
+              <a:rPr lang="en-US" sz="2400" dirty="0" err="1"/>
+              <a:t>app.get</a:t>
+            </a:r>
+            <a:r>
+              <a:rPr lang="en-US" sz="2400" dirty="0"/>
+              <a:t>('</a:t>
+            </a:r>
+            <a:r>
+              <a:rPr lang="en-US" sz="2400" dirty="0" smtClean="0"/>
+              <a:t>/user-info'</a:t>
+            </a:r>
+            <a:r>
+              <a:rPr lang="en-US" sz="2400" dirty="0"/>
+              <a:t>, function (</a:t>
+            </a:r>
+            <a:r>
+              <a:rPr lang="en-US" sz="2400" dirty="0" err="1"/>
+              <a:t>req</a:t>
+            </a:r>
+            <a:r>
+              <a:rPr lang="en-US" sz="2400" dirty="0"/>
+              <a:t>, res) {</a:t>
             </a:r>
           </a:p>
           <a:p>
             <a:pPr algn="l"/>
-            <a:endParaRPr lang="en-US" sz="2000" dirty="0"/>
+            <a:r>
+              <a:rPr lang="en-US" sz="2400" dirty="0"/>
+              <a:t>  </a:t>
+            </a:r>
+            <a:r>
+              <a:rPr lang="en-US" sz="2400" dirty="0" err="1"/>
+              <a:t>res.render</a:t>
+            </a:r>
+            <a:r>
+              <a:rPr lang="en-US" sz="2400" dirty="0"/>
+              <a:t>(</a:t>
+            </a:r>
+            <a:r>
+              <a:rPr lang="en-US" sz="2400" dirty="0" smtClean="0"/>
+              <a:t>'</a:t>
+            </a:r>
+            <a:r>
+              <a:rPr lang="en-US" sz="2400" dirty="0" err="1" smtClean="0"/>
+              <a:t>userInfo</a:t>
+            </a:r>
+            <a:r>
+              <a:rPr lang="en-US" sz="2400" dirty="0" smtClean="0"/>
+              <a:t>'</a:t>
+            </a:r>
+            <a:r>
+              <a:rPr lang="en-US" sz="2400" dirty="0"/>
+              <a:t>, { </a:t>
+            </a:r>
+            <a:r>
+              <a:rPr lang="en-US" sz="2400" dirty="0" smtClean="0"/>
+              <a:t>name: 'Ted'</a:t>
+            </a:r>
+            <a:r>
+              <a:rPr lang="en-US" sz="2400" dirty="0"/>
+              <a:t>, </a:t>
+            </a:r>
+            <a:r>
+              <a:rPr lang="en-US" sz="2400" dirty="0" smtClean="0"/>
+              <a:t>joined: '10/14/14'</a:t>
+            </a:r>
+            <a:r>
+              <a:rPr lang="en-US" sz="2400" dirty="0"/>
+              <a:t>});</a:t>
+            </a:r>
           </a:p>
           <a:p>
             <a:pPr algn="l"/>
             <a:r>
-              <a:rPr lang="en-US" sz="2000" dirty="0" err="1"/>
-              <a:t>var</a:t>
-            </a:r>
-            <a:r>
-              <a:rPr lang="en-US" sz="2000" dirty="0"/>
-              <a:t> socket = require('</a:t>
-            </a:r>
-            <a:r>
-              <a:rPr lang="en-US" sz="2000" dirty="0" err="1"/>
-              <a:t>socket.io</a:t>
-            </a:r>
-            <a:r>
-              <a:rPr lang="en-US" sz="2000" dirty="0"/>
-              <a:t>').listen(server);</a:t>
-            </a:r>
-          </a:p>
-          <a:p>
-            <a:pPr algn="l"/>
-            <a:endParaRPr lang="en-US" sz="2000" dirty="0" smtClean="0"/>
-          </a:p>
-          <a:p>
-            <a:pPr algn="l"/>
-            <a:r>
-              <a:rPr lang="en-US" sz="2000" dirty="0" err="1" smtClean="0"/>
-              <a:t>socket.on</a:t>
-            </a:r>
-            <a:r>
-              <a:rPr lang="en-US" sz="2000" dirty="0"/>
-              <a:t>('connection', function(client){ </a:t>
-            </a:r>
-          </a:p>
-          <a:p>
-            <a:pPr algn="l"/>
-            <a:r>
-              <a:rPr lang="en-US" sz="2000" dirty="0" smtClean="0"/>
-              <a:t>  </a:t>
-            </a:r>
-            <a:r>
-              <a:rPr lang="en-US" sz="2000" dirty="0" err="1" smtClean="0"/>
-              <a:t>var</a:t>
-            </a:r>
-            <a:r>
-              <a:rPr lang="en-US" sz="2000" dirty="0" smtClean="0"/>
-              <a:t> </a:t>
-            </a:r>
-            <a:r>
-              <a:rPr lang="en-US" sz="2000" dirty="0"/>
-              <a:t>interval = </a:t>
-            </a:r>
-            <a:r>
-              <a:rPr lang="en-US" sz="2000" dirty="0" err="1"/>
-              <a:t>setInterval</a:t>
-            </a:r>
-            <a:r>
-              <a:rPr lang="en-US" sz="2000" dirty="0"/>
-              <a:t>(function() {</a:t>
-            </a:r>
-          </a:p>
-          <a:p>
-            <a:pPr algn="l"/>
-            <a:r>
-              <a:rPr lang="en-US" sz="2000" dirty="0" smtClean="0"/>
-              <a:t>    </a:t>
-            </a:r>
-            <a:r>
-              <a:rPr lang="en-US" sz="2000" dirty="0" err="1"/>
-              <a:t>client.send</a:t>
-            </a:r>
-            <a:r>
-              <a:rPr lang="en-US" sz="2000" dirty="0"/>
-              <a:t>('This is a message from the server!  ' + new Date().</a:t>
-            </a:r>
-            <a:r>
-              <a:rPr lang="en-US" sz="2000" dirty="0" err="1"/>
-              <a:t>getTime</a:t>
-            </a:r>
-            <a:r>
-              <a:rPr lang="en-US" sz="2000" dirty="0"/>
-              <a:t>());</a:t>
-            </a:r>
-          </a:p>
-          <a:p>
-            <a:pPr algn="l"/>
-            <a:r>
-              <a:rPr lang="en-US" sz="2000" dirty="0" smtClean="0"/>
-              <a:t>  }</a:t>
-            </a:r>
-            <a:r>
-              <a:rPr lang="en-US" sz="2000" dirty="0"/>
-              <a:t>, 5000);</a:t>
-            </a:r>
-          </a:p>
-          <a:p>
-            <a:pPr algn="l"/>
-            <a:endParaRPr lang="en-US" sz="2000" dirty="0" smtClean="0"/>
-          </a:p>
-          <a:p>
-            <a:pPr algn="l"/>
-            <a:r>
-              <a:rPr lang="en-US" sz="2000" dirty="0" smtClean="0"/>
-              <a:t>  </a:t>
-            </a:r>
-            <a:r>
-              <a:rPr lang="en-US" sz="2000" dirty="0" err="1" smtClean="0"/>
-              <a:t>client.on</a:t>
-            </a:r>
-            <a:r>
-              <a:rPr lang="en-US" sz="2000" dirty="0"/>
-              <a:t>('</a:t>
-            </a:r>
-            <a:r>
-              <a:rPr lang="en-US" sz="2000" dirty="0" err="1"/>
-              <a:t>message',function</a:t>
-            </a:r>
-            <a:r>
-              <a:rPr lang="en-US" sz="2000" dirty="0"/>
-              <a:t>(event){ </a:t>
-            </a:r>
-            <a:endParaRPr lang="en-US" sz="2000" dirty="0" smtClean="0"/>
-          </a:p>
-          <a:p>
-            <a:pPr algn="l"/>
-            <a:r>
-              <a:rPr lang="en-US" sz="2000" dirty="0" smtClean="0"/>
-              <a:t>    </a:t>
-            </a:r>
-            <a:r>
-              <a:rPr lang="en-US" sz="2000" dirty="0" err="1" smtClean="0"/>
-              <a:t>console.log</a:t>
-            </a:r>
-            <a:r>
-              <a:rPr lang="en-US" sz="2000" dirty="0"/>
-              <a:t>('Received message from </a:t>
-            </a:r>
-            <a:r>
-              <a:rPr lang="en-US" sz="2000" dirty="0" err="1"/>
-              <a:t>client!',event</a:t>
-            </a:r>
-            <a:r>
-              <a:rPr lang="en-US" sz="2000" dirty="0"/>
-              <a:t>);</a:t>
-            </a:r>
-          </a:p>
-          <a:p>
-            <a:pPr algn="l"/>
-            <a:r>
-              <a:rPr lang="en-US" sz="2000" dirty="0" smtClean="0"/>
-              <a:t>  }</a:t>
-            </a:r>
-            <a:r>
-              <a:rPr lang="en-US" sz="2000" dirty="0"/>
-              <a:t>);</a:t>
-            </a:r>
-          </a:p>
-          <a:p>
-            <a:pPr algn="l"/>
-            <a:r>
-              <a:rPr lang="en-US" sz="2000" dirty="0" smtClean="0"/>
-              <a:t>  </a:t>
-            </a:r>
-            <a:r>
-              <a:rPr lang="en-US" sz="2000" dirty="0" err="1" smtClean="0"/>
-              <a:t>client.on</a:t>
-            </a:r>
-            <a:r>
-              <a:rPr lang="en-US" sz="2000" dirty="0"/>
-              <a:t>('</a:t>
-            </a:r>
-            <a:r>
-              <a:rPr lang="en-US" sz="2000" dirty="0" err="1"/>
-              <a:t>disconnect',function</a:t>
-            </a:r>
-            <a:r>
-              <a:rPr lang="en-US" sz="2000" dirty="0"/>
-              <a:t>(){</a:t>
-            </a:r>
-          </a:p>
-          <a:p>
-            <a:pPr algn="l"/>
-            <a:r>
-              <a:rPr lang="en-US" sz="2000" dirty="0" smtClean="0"/>
-              <a:t>    </a:t>
-            </a:r>
-            <a:r>
-              <a:rPr lang="en-US" sz="2000" dirty="0" err="1" smtClean="0"/>
-              <a:t>clearInterval</a:t>
-            </a:r>
-            <a:r>
-              <a:rPr lang="en-US" sz="2000" dirty="0"/>
-              <a:t>(interval);</a:t>
-            </a:r>
-          </a:p>
-          <a:p>
-            <a:pPr algn="l"/>
-            <a:r>
-              <a:rPr lang="en-US" sz="2000" dirty="0" smtClean="0"/>
-              <a:t>  });</a:t>
-            </a:r>
-          </a:p>
-          <a:p>
-            <a:pPr algn="l"/>
-            <a:r>
-              <a:rPr lang="en-US" sz="2000" dirty="0"/>
-              <a:t>});</a:t>
-            </a:r>
-          </a:p>
-          <a:p>
-            <a:pPr algn="l"/>
-            <a:endParaRPr lang="en-US" sz="2000" dirty="0"/>
+              <a:rPr lang="en-US" sz="2400" dirty="0"/>
+              <a:t>})</a:t>
+            </a:r>
+            <a:r>
+              <a:rPr lang="en-US" sz="2400" dirty="0" smtClean="0"/>
+              <a:t>;</a:t>
+            </a:r>
+            <a:endParaRPr lang="en-US" sz="2400" dirty="0" smtClean="0"/>
           </a:p>
         </p:txBody>
       </p:sp>
     </p:spTree>
     <p:extLst>
       <p:ext uri="{BB962C8B-B14F-4D97-AF65-F5344CB8AC3E}">
-        <p14:creationId xmlns:p14="http://schemas.microsoft.com/office/powerpoint/2010/main" val="3400460719"/>
+        <p14:creationId xmlns:p14="http://schemas.microsoft.com/office/powerpoint/2010/main" val="3785707241"/>
       </p:ext>
     </p:extLst>
   </p:cSld>
@@ -6171,11 +4542,7 @@
           <a:p>
             <a:r>
               <a:rPr lang="en-US" dirty="0" smtClean="0"/>
-              <a:t>Lab: </a:t>
-            </a:r>
-            <a:r>
-              <a:rPr lang="en-US" dirty="0" err="1" smtClean="0"/>
-              <a:t>Socket.IO</a:t>
+              <a:t>Express Views</a:t>
             </a:r>
             <a:endParaRPr lang="en-US" dirty="0"/>
           </a:p>
@@ -6199,7 +4566,7 @@
         </p:spPr>
         <p:txBody>
           <a:bodyPr>
-            <a:normAutofit/>
+            <a:normAutofit fontScale="85000" lnSpcReduction="10000"/>
           </a:bodyPr>
           <a:lstStyle/>
           <a:p>
@@ -6208,28 +4575,8 @@
               <a:buChar char="•"/>
             </a:pPr>
             <a:r>
-              <a:rPr lang="sv-SE" sz="2000" dirty="0" err="1" smtClean="0"/>
-              <a:t>Code</a:t>
-            </a:r>
-            <a:r>
-              <a:rPr lang="sv-SE" sz="2000" dirty="0" smtClean="0"/>
-              <a:t> </a:t>
-            </a:r>
-            <a:r>
-              <a:rPr lang="sv-SE" sz="2000" dirty="0"/>
-              <a:t>server </a:t>
-            </a:r>
-            <a:r>
-              <a:rPr lang="sv-SE" sz="2000" dirty="0" err="1"/>
-              <a:t>side</a:t>
-            </a:r>
-            <a:r>
-              <a:rPr lang="sv-SE" sz="2000" dirty="0"/>
-              <a:t> </a:t>
-            </a:r>
-            <a:r>
-              <a:rPr lang="sv-SE" sz="2000" dirty="0" smtClean="0"/>
-              <a:t>implementation</a:t>
+              <a:rPr lang="en-US" sz="2400" dirty="0" smtClean="0"/>
+              <a:t>Mustache </a:t>
             </a:r>
           </a:p>
           <a:p>
@@ -6238,16 +4585,8 @@
               <a:buChar char="•"/>
             </a:pPr>
             <a:r>
-              <a:rPr lang="sv-SE" sz="2000" dirty="0" err="1" smtClean="0"/>
-              <a:t>Write</a:t>
-            </a:r>
-            <a:r>
-              <a:rPr lang="sv-SE" sz="2000" dirty="0" smtClean="0"/>
-              <a:t> </a:t>
-            </a:r>
-            <a:r>
-              <a:rPr lang="sv-SE" sz="2000" dirty="0"/>
-              <a:t>tests</a:t>
+              <a:rPr lang="en-US" sz="2400" dirty="0" smtClean="0"/>
+              <a:t>Name comes from the resemblance of curly brackets</a:t>
             </a:r>
           </a:p>
           <a:p>
@@ -6256,24 +4595,8 @@
               <a:buChar char="•"/>
             </a:pPr>
             <a:r>
-              <a:rPr lang="sv-SE" sz="2000" dirty="0" err="1" smtClean="0"/>
-              <a:t>Client</a:t>
-            </a:r>
-            <a:r>
-              <a:rPr lang="sv-SE" sz="2000" dirty="0" smtClean="0"/>
-              <a:t> </a:t>
-            </a:r>
-            <a:r>
-              <a:rPr lang="sv-SE" sz="2000" dirty="0" err="1"/>
-              <a:t>side</a:t>
-            </a:r>
-            <a:r>
-              <a:rPr lang="sv-SE" sz="2000" dirty="0"/>
-              <a:t> </a:t>
-            </a:r>
-            <a:r>
-              <a:rPr lang="sv-SE" sz="2000" dirty="0" smtClean="0"/>
-              <a:t>implementation</a:t>
+              <a:rPr lang="en-US" sz="2400" dirty="0" smtClean="0"/>
+              <a:t>Plain values get replaced</a:t>
             </a:r>
           </a:p>
           <a:p>
@@ -6282,16 +4605,8 @@
               <a:buChar char="•"/>
             </a:pPr>
             <a:r>
-              <a:rPr lang="sv-SE" sz="2000" dirty="0" err="1"/>
-              <a:t>Write</a:t>
-            </a:r>
-            <a:r>
-              <a:rPr lang="sv-SE" sz="2000" dirty="0"/>
-              <a:t> </a:t>
-            </a:r>
-            <a:r>
-              <a:rPr lang="sv-SE" sz="2000" dirty="0" smtClean="0"/>
-              <a:t>tests</a:t>
+              <a:rPr lang="en-US" sz="2400" dirty="0" smtClean="0"/>
+              <a:t>Various helpers exist</a:t>
             </a:r>
           </a:p>
           <a:p>
@@ -6300,25 +4615,196 @@
               <a:buChar char="•"/>
             </a:pPr>
             <a:r>
-              <a:rPr lang="sv-SE" sz="2000" dirty="0" smtClean="0"/>
-              <a:t>60 mins, </a:t>
-            </a:r>
-            <a:r>
-              <a:rPr lang="sv-SE" sz="2000" dirty="0" err="1" smtClean="0"/>
-              <a:t>then</a:t>
-            </a:r>
-            <a:r>
-              <a:rPr lang="sv-SE" sz="2000" dirty="0" smtClean="0"/>
-              <a:t> break, 10 mins</a:t>
-            </a:r>
-            <a:endParaRPr lang="sv-SE" sz="2000" dirty="0"/>
+              <a:rPr lang="en-US" sz="2400" dirty="0" smtClean="0"/>
+              <a:t>We'll use Mustache now because it works out of the box with Express</a:t>
+            </a:r>
+          </a:p>
+          <a:p>
+            <a:pPr marL="342900" indent="-342900" algn="l">
+              <a:buFont typeface="Arial"/>
+              <a:buChar char="•"/>
+            </a:pPr>
+            <a:r>
+              <a:rPr lang="en-US" sz="2400" dirty="0" smtClean="0"/>
+              <a:t>Handlebars is more popular</a:t>
+            </a:r>
+          </a:p>
+          <a:p>
+            <a:pPr marL="342900" indent="-342900" algn="l">
+              <a:buFont typeface="Arial"/>
+              <a:buChar char="•"/>
+            </a:pPr>
+            <a:endParaRPr lang="en-US" sz="2400" dirty="0"/>
+          </a:p>
+          <a:p>
+            <a:pPr algn="l"/>
+            <a:r>
+              <a:rPr lang="pt-BR" sz="2400" dirty="0"/>
+              <a:t>{</a:t>
+            </a:r>
+            <a:r>
+              <a:rPr lang="pt-BR" sz="2400" dirty="0" smtClean="0"/>
+              <a:t>{ #</a:t>
+            </a:r>
+            <a:r>
+              <a:rPr lang="pt-BR" sz="2400" dirty="0" err="1" smtClean="0"/>
+              <a:t>repo</a:t>
+            </a:r>
+            <a:r>
+              <a:rPr lang="pt-BR" sz="2400" dirty="0" smtClean="0"/>
+              <a:t> }</a:t>
+            </a:r>
+            <a:r>
+              <a:rPr lang="pt-BR" sz="2400" dirty="0"/>
+              <a:t>}</a:t>
+            </a:r>
+          </a:p>
+          <a:p>
+            <a:pPr algn="l"/>
+            <a:r>
+              <a:rPr lang="pt-BR" sz="2400" dirty="0"/>
+              <a:t>  &lt;</a:t>
+            </a:r>
+            <a:r>
+              <a:rPr lang="pt-BR" sz="2400" dirty="0" err="1"/>
+              <a:t>b</a:t>
+            </a:r>
+            <a:r>
+              <a:rPr lang="pt-BR" sz="2400" dirty="0"/>
+              <a:t>&gt;{</a:t>
+            </a:r>
+            <a:r>
+              <a:rPr lang="pt-BR" sz="2400" dirty="0" smtClean="0"/>
+              <a:t>{  </a:t>
+            </a:r>
+            <a:r>
+              <a:rPr lang="pt-BR" sz="2400" dirty="0" err="1" smtClean="0"/>
+              <a:t>name</a:t>
+            </a:r>
+            <a:r>
+              <a:rPr lang="pt-BR" sz="2400" dirty="0" smtClean="0"/>
+              <a:t> }} </a:t>
+            </a:r>
+            <a:r>
+              <a:rPr lang="pt-BR" sz="2400" dirty="0" err="1" smtClean="0"/>
+              <a:t>joined</a:t>
+            </a:r>
+            <a:r>
+              <a:rPr lang="pt-BR" sz="2400" dirty="0" smtClean="0"/>
+              <a:t> {{ </a:t>
+            </a:r>
+            <a:r>
+              <a:rPr lang="pt-BR" sz="2400" dirty="0" err="1" smtClean="0"/>
+              <a:t>joined</a:t>
+            </a:r>
+            <a:r>
+              <a:rPr lang="pt-BR" sz="2400" dirty="0" smtClean="0"/>
+              <a:t> }}&lt;</a:t>
+            </a:r>
+            <a:r>
+              <a:rPr lang="pt-BR" sz="2400" dirty="0"/>
+              <a:t>/</a:t>
+            </a:r>
+            <a:r>
+              <a:rPr lang="pt-BR" sz="2400" dirty="0" err="1"/>
+              <a:t>b</a:t>
+            </a:r>
+            <a:r>
+              <a:rPr lang="pt-BR" sz="2400" dirty="0"/>
+              <a:t>&gt;</a:t>
+            </a:r>
+          </a:p>
+          <a:p>
+            <a:pPr algn="l"/>
+            <a:r>
+              <a:rPr lang="pt-BR" sz="2400" dirty="0"/>
+              <a:t>{{</a:t>
+            </a:r>
+            <a:r>
+              <a:rPr lang="pt-BR" sz="2400" dirty="0" smtClean="0"/>
+              <a:t>/ </a:t>
+            </a:r>
+            <a:r>
+              <a:rPr lang="pt-BR" sz="2400" dirty="0" err="1" smtClean="0"/>
+              <a:t>repo</a:t>
+            </a:r>
+            <a:r>
+              <a:rPr lang="pt-BR" sz="2400" dirty="0" smtClean="0"/>
+              <a:t> }</a:t>
+            </a:r>
+            <a:r>
+              <a:rPr lang="pt-BR" sz="2400" dirty="0"/>
+              <a:t>}</a:t>
+            </a:r>
+          </a:p>
+          <a:p>
+            <a:pPr algn="l"/>
+            <a:r>
+              <a:rPr lang="pt-BR" sz="2400" dirty="0"/>
+              <a:t>{</a:t>
+            </a:r>
+            <a:r>
+              <a:rPr lang="pt-BR" sz="2400" dirty="0" smtClean="0"/>
+              <a:t>{ ^</a:t>
+            </a:r>
+            <a:r>
+              <a:rPr lang="pt-BR" sz="2400" dirty="0" err="1" smtClean="0"/>
+              <a:t>repo</a:t>
+            </a:r>
+            <a:r>
+              <a:rPr lang="pt-BR" sz="2400" dirty="0" smtClean="0"/>
+              <a:t> }</a:t>
+            </a:r>
+            <a:r>
+              <a:rPr lang="pt-BR" sz="2400" dirty="0"/>
+              <a:t>}</a:t>
+            </a:r>
+          </a:p>
+          <a:p>
+            <a:pPr algn="l"/>
+            <a:r>
+              <a:rPr lang="pt-BR" sz="2400" dirty="0"/>
+              <a:t>  No </a:t>
+            </a:r>
+            <a:r>
+              <a:rPr lang="pt-BR" sz="2400" dirty="0" err="1"/>
+              <a:t>repos</a:t>
+            </a:r>
+            <a:r>
+              <a:rPr lang="pt-BR" sz="2400" dirty="0"/>
+              <a:t> :(</a:t>
+            </a:r>
+          </a:p>
+          <a:p>
+            <a:pPr algn="l"/>
+            <a:r>
+              <a:rPr lang="pt-BR" sz="2400" dirty="0"/>
+              <a:t>{</a:t>
+            </a:r>
+            <a:r>
+              <a:rPr lang="pt-BR" sz="2400" dirty="0" smtClean="0"/>
+              <a:t>{ /</a:t>
+            </a:r>
+            <a:r>
+              <a:rPr lang="pt-BR" sz="2400" dirty="0" err="1" smtClean="0"/>
+              <a:t>repo</a:t>
+            </a:r>
+            <a:r>
+              <a:rPr lang="pt-BR" sz="2400" dirty="0" smtClean="0"/>
+              <a:t> }</a:t>
+            </a:r>
+            <a:r>
+              <a:rPr lang="pt-BR" sz="2400" dirty="0"/>
+              <a:t>}</a:t>
+            </a:r>
+            <a:endParaRPr lang="en-US" sz="2400" dirty="0" smtClean="0"/>
           </a:p>
         </p:txBody>
       </p:sp>
     </p:spTree>
     <p:extLst>
       <p:ext uri="{BB962C8B-B14F-4D97-AF65-F5344CB8AC3E}">
-        <p14:creationId xmlns:p14="http://schemas.microsoft.com/office/powerpoint/2010/main" val="2829709083"/>
+        <p14:creationId xmlns:p14="http://schemas.microsoft.com/office/powerpoint/2010/main" val="2444034853"/>
       </p:ext>
     </p:extLst>
   </p:cSld>
@@ -6374,11 +4860,7 @@
           <a:p>
             <a:r>
               <a:rPr lang="en-US" dirty="0" smtClean="0"/>
-              <a:t>Backbone intro: SPA </a:t>
-            </a:r>
-            <a:r>
-              <a:rPr lang="en-US" dirty="0"/>
-              <a:t>Principles </a:t>
+              <a:t>Lab: Express Views</a:t>
             </a:r>
             <a:endParaRPr lang="en-US" dirty="0"/>
           </a:p>
@@ -6411,8 +4893,8 @@
               <a:buChar char="•"/>
             </a:pPr>
             <a:r>
-              <a:rPr lang="en-US" sz="2400" dirty="0"/>
-              <a:t>Keeping track of state is hard</a:t>
+              <a:rPr lang="en-US" sz="2400" dirty="0" smtClean="0"/>
+              <a:t>Update routes to use templates</a:t>
             </a:r>
           </a:p>
           <a:p>
@@ -6421,111 +4903,25 @@
               <a:buChar char="•"/>
             </a:pPr>
             <a:r>
-              <a:rPr lang="en-US" sz="2400" dirty="0"/>
-              <a:t>Single Page Applications have three types of state:</a:t>
-            </a:r>
-          </a:p>
-          <a:p>
-            <a:pPr marL="800100" lvl="1" indent="-342900" algn="l">
-              <a:buFont typeface="Arial"/>
-              <a:buChar char="•"/>
-            </a:pPr>
-            <a:r>
-              <a:rPr lang="en-US" sz="2000" dirty="0"/>
-              <a:t>UI state: is this input checkbox true?</a:t>
-            </a:r>
-          </a:p>
-          <a:p>
-            <a:pPr marL="800100" lvl="1" indent="-342900" algn="l">
-              <a:buFont typeface="Arial"/>
-              <a:buChar char="•"/>
-            </a:pPr>
-            <a:r>
-              <a:rPr lang="en-US" sz="2000" dirty="0"/>
-              <a:t>Application state: you switched two widgets into edit mode</a:t>
-            </a:r>
-          </a:p>
-          <a:p>
-            <a:pPr marL="800100" lvl="1" indent="-342900" algn="l">
-              <a:buFont typeface="Arial"/>
-              <a:buChar char="•"/>
-            </a:pPr>
-            <a:r>
-              <a:rPr lang="en-US" sz="2000" dirty="0"/>
-              <a:t>Global state: authentication, settings</a:t>
-            </a:r>
-          </a:p>
-          <a:p>
-            <a:pPr marL="342900" indent="-342900" algn="l">
-              <a:buFont typeface="Arial"/>
-              <a:buChar char="•"/>
-            </a:pPr>
-            <a:r>
-              <a:rPr lang="en-US" sz="2400" dirty="0"/>
-              <a:t>Efficient DOM manipulation is hard</a:t>
-            </a:r>
-          </a:p>
-          <a:p>
-            <a:pPr marL="342900" indent="-342900" algn="l">
-              <a:buFont typeface="Arial"/>
-              <a:buChar char="•"/>
-            </a:pPr>
-            <a:r>
-              <a:rPr lang="en-US" sz="2400" dirty="0" err="1"/>
-              <a:t>jQuery</a:t>
-            </a:r>
-            <a:r>
-              <a:rPr lang="en-US" sz="2400" dirty="0"/>
-              <a:t> does DOM well, but provides little large-scale structure</a:t>
-            </a:r>
-          </a:p>
-          <a:p>
-            <a:pPr marL="342900" indent="-342900" algn="l">
-              <a:buFont typeface="Arial"/>
-              <a:buChar char="•"/>
-            </a:pPr>
-            <a:r>
-              <a:rPr lang="en-US" sz="2400" dirty="0"/>
-              <a:t>SPAs need a framework to promote </a:t>
-            </a:r>
-          </a:p>
-          <a:p>
-            <a:pPr marL="800100" lvl="1" indent="-342900" algn="l">
-              <a:buFont typeface="Arial"/>
-              <a:buChar char="•"/>
-            </a:pPr>
-            <a:r>
-              <a:rPr lang="en-US" sz="2000" dirty="0"/>
-              <a:t>Organization</a:t>
-            </a:r>
-          </a:p>
-          <a:p>
-            <a:pPr marL="800100" lvl="1" indent="-342900" algn="l">
-              <a:buFont typeface="Arial"/>
-              <a:buChar char="•"/>
-            </a:pPr>
-            <a:r>
-              <a:rPr lang="en-US" sz="2000" dirty="0"/>
-              <a:t>Reusability</a:t>
-            </a:r>
-          </a:p>
-          <a:p>
-            <a:pPr marL="800100" lvl="1" indent="-342900" algn="l">
-              <a:buFont typeface="Arial"/>
-              <a:buChar char="•"/>
-            </a:pPr>
-            <a:r>
-              <a:rPr lang="en-US" sz="2000" dirty="0"/>
-              <a:t>Flexibility</a:t>
-            </a:r>
-            <a:endParaRPr lang="en-US" sz="2000" dirty="0"/>
+              <a:rPr lang="en-US" sz="2400" dirty="0" smtClean="0"/>
+              <a:t>60 </a:t>
+            </a:r>
+            <a:r>
+              <a:rPr lang="en-US" sz="2400" dirty="0" err="1" smtClean="0"/>
+              <a:t>mins</a:t>
+            </a:r>
+            <a:r>
+              <a:rPr lang="en-US" sz="2400" dirty="0" smtClean="0"/>
+              <a:t>, then lunch</a:t>
+            </a:r>
+            <a:endParaRPr lang="en-US" sz="2400" dirty="0" smtClean="0"/>
           </a:p>
         </p:txBody>
       </p:sp>
     </p:spTree>
     <p:extLst>
       <p:ext uri="{BB962C8B-B14F-4D97-AF65-F5344CB8AC3E}">
-        <p14:creationId xmlns:p14="http://schemas.microsoft.com/office/powerpoint/2010/main" val="2097909722"/>
+        <p14:creationId xmlns:p14="http://schemas.microsoft.com/office/powerpoint/2010/main" val="3772006408"/>
       </p:ext>
     </p:extLst>
   </p:cSld>
@@ -6580,12 +4976,8 @@
           <a:lstStyle/>
           <a:p>
             <a:r>
-              <a:rPr lang="en-US" dirty="0"/>
-              <a:t>Backbone intro: </a:t>
-            </a:r>
-            <a:r>
               <a:rPr lang="en-US" dirty="0" smtClean="0"/>
-              <a:t>Events</a:t>
+              <a:t>Cross-Origin Resource Sharing</a:t>
             </a:r>
             <a:endParaRPr lang="en-US" dirty="0"/>
           </a:p>
@@ -6618,8 +5010,8 @@
               <a:buChar char="•"/>
             </a:pPr>
             <a:r>
-              <a:rPr lang="en-US" sz="2000" dirty="0" smtClean="0"/>
-              <a:t>Pub/Sub pattern: Publishers and Subscribers</a:t>
+              <a:rPr lang="en-US" sz="2400" dirty="0" smtClean="0"/>
+              <a:t>Background</a:t>
             </a:r>
           </a:p>
           <a:p>
@@ -6628,8 +5020,8 @@
               <a:buChar char="•"/>
             </a:pPr>
             <a:r>
-              <a:rPr lang="en-US" sz="2000" dirty="0" smtClean="0"/>
-              <a:t>Imagine a radio station and listeners</a:t>
+              <a:rPr lang="en-US" sz="2400" dirty="0" smtClean="0"/>
+              <a:t>Same Origin Policy implemented for security</a:t>
             </a:r>
           </a:p>
           <a:p>
@@ -6638,8 +5030,12 @@
               <a:buChar char="•"/>
             </a:pPr>
             <a:r>
-              <a:rPr lang="en-US" sz="2000" dirty="0" smtClean="0"/>
-              <a:t>Station has no way of knowing when listeners start &amp; stop</a:t>
+              <a:rPr lang="en-US" sz="2400" dirty="0"/>
+              <a:t>Netscape Navigator 2 in </a:t>
+            </a:r>
+            <a:r>
+              <a:rPr lang="en-US" sz="2400" dirty="0" smtClean="0"/>
+              <a:t>1995</a:t>
             </a:r>
           </a:p>
           <a:p>
@@ -6648,8 +5044,8 @@
               <a:buChar char="•"/>
             </a:pPr>
             <a:r>
-              <a:rPr lang="en-US" sz="2000" dirty="0" smtClean="0"/>
-              <a:t>Or what they do when a particular song comes on</a:t>
+              <a:rPr lang="en-US" sz="2400" dirty="0" smtClean="0"/>
+              <a:t>Protocol, host, port have to match to access resources</a:t>
             </a:r>
           </a:p>
           <a:p>
@@ -6658,8 +5054,8 @@
               <a:buChar char="•"/>
             </a:pPr>
             <a:r>
-              <a:rPr lang="en-US" sz="2000" dirty="0" smtClean="0"/>
-              <a:t>This demonstrates “loose coupling”, which is A Good Thing</a:t>
+              <a:rPr lang="en-US" sz="2400" dirty="0" smtClean="0"/>
+              <a:t>Many workarounds (hacks) developed </a:t>
             </a:r>
           </a:p>
           <a:p>
@@ -6668,47 +5064,17 @@
               <a:buChar char="•"/>
             </a:pPr>
             <a:r>
-              <a:rPr lang="en-US" sz="2000" dirty="0" smtClean="0"/>
-              <a:t>Event typically comes with a type and a payload</a:t>
-            </a:r>
-          </a:p>
-          <a:p>
-            <a:pPr marL="342900" indent="-342900" algn="l">
-              <a:buFont typeface="Arial"/>
-              <a:buChar char="•"/>
-            </a:pPr>
-            <a:r>
-              <a:rPr lang="en-US" sz="2000" dirty="0" smtClean="0"/>
-              <a:t>[ ['song', {…}], ['commercial', {…}], </a:t>
-            </a:r>
-            <a:r>
-              <a:rPr lang="en-US" sz="2000" dirty="0"/>
-              <a:t>['song', {…}</a:t>
-            </a:r>
-            <a:r>
-              <a:rPr lang="en-US" sz="2000" dirty="0" smtClean="0"/>
-              <a:t>], ['</a:t>
-            </a:r>
-            <a:r>
-              <a:rPr lang="en-US" sz="2000" dirty="0" err="1" smtClean="0"/>
-              <a:t>stationId</a:t>
-            </a:r>
-            <a:r>
-              <a:rPr lang="en-US" sz="2000" dirty="0"/>
-              <a:t>'</a:t>
-            </a:r>
-            <a:r>
-              <a:rPr lang="en-US" sz="2000" dirty="0" smtClean="0"/>
-              <a:t>, {…}] ]</a:t>
-            </a:r>
-            <a:endParaRPr lang="en-US" sz="2000" dirty="0"/>
+              <a:rPr lang="en-US" sz="2400" dirty="0" smtClean="0"/>
+              <a:t>but CORS is The Right Way</a:t>
+            </a:r>
+            <a:endParaRPr lang="en-US" sz="2400" dirty="0" smtClean="0"/>
           </a:p>
         </p:txBody>
       </p:sp>
     </p:spTree>
     <p:extLst>
       <p:ext uri="{BB962C8B-B14F-4D97-AF65-F5344CB8AC3E}">
-        <p14:creationId xmlns:p14="http://schemas.microsoft.com/office/powerpoint/2010/main" val="518537074"/>
+        <p14:creationId xmlns:p14="http://schemas.microsoft.com/office/powerpoint/2010/main" val="643611115"/>
       </p:ext>
     </p:extLst>
   </p:cSld>
@@ -6763,12 +5129,8 @@
           <a:lstStyle/>
           <a:p>
             <a:r>
-              <a:rPr lang="en-US" dirty="0"/>
-              <a:t>Backbone intro: </a:t>
-            </a:r>
-            <a:r>
               <a:rPr lang="en-US" dirty="0" smtClean="0"/>
-              <a:t>Dependencies</a:t>
+              <a:t>Cross-Origin Resource Sharing</a:t>
             </a:r>
             <a:endParaRPr lang="en-US" dirty="0"/>
           </a:p>
@@ -6801,46 +5163,8 @@
               <a:buChar char="•"/>
             </a:pPr>
             <a:r>
-              <a:rPr lang="en-US" sz="2000" dirty="0" smtClean="0"/>
-              <a:t>Backbone is built on top of </a:t>
-            </a:r>
-            <a:r>
-              <a:rPr lang="en-US" sz="2000" dirty="0" err="1" smtClean="0"/>
-              <a:t>jQuery</a:t>
-            </a:r>
-            <a:r>
-              <a:rPr lang="en-US" sz="2000" dirty="0" smtClean="0"/>
-              <a:t> and Underscore</a:t>
-            </a:r>
-          </a:p>
-          <a:p>
-            <a:pPr marL="800100" lvl="1" indent="-342900" algn="l">
-              <a:buFont typeface="Arial"/>
-              <a:buChar char="•"/>
-            </a:pPr>
-            <a:r>
-              <a:rPr lang="en-US" sz="1600" dirty="0" smtClean="0"/>
-              <a:t>They have to be loaded in global scope before Backbone</a:t>
-            </a:r>
-          </a:p>
-          <a:p>
-            <a:pPr marL="800100" lvl="1" indent="-342900" algn="l">
-              <a:buFont typeface="Arial"/>
-              <a:buChar char="•"/>
-            </a:pPr>
-            <a:r>
-              <a:rPr lang="en-US" sz="1600" dirty="0" smtClean="0"/>
-              <a:t>Serial script tags is one way to do this</a:t>
-            </a:r>
-          </a:p>
-          <a:p>
-            <a:pPr marL="800100" lvl="1" indent="-342900" algn="l">
-              <a:buFont typeface="Arial"/>
-              <a:buChar char="•"/>
-            </a:pPr>
-            <a:r>
-              <a:rPr lang="en-US" sz="1600" dirty="0" smtClean="0"/>
-              <a:t>Concatenating into a single download file is another </a:t>
+              <a:rPr lang="en-US" sz="2400" dirty="0" smtClean="0"/>
+              <a:t>How it works</a:t>
             </a:r>
           </a:p>
           <a:p>
@@ -6849,8 +5173,8 @@
               <a:buChar char="•"/>
             </a:pPr>
             <a:r>
-              <a:rPr lang="en-US" sz="2000" dirty="0" smtClean="0"/>
-              <a:t>These methods work fine if dependency relations are few and simple</a:t>
+              <a:rPr lang="en-US" sz="2400" dirty="0" smtClean="0"/>
+              <a:t>Browser (client domain) sends request</a:t>
             </a:r>
           </a:p>
           <a:p>
@@ -6859,61 +5183,10 @@
               <a:buChar char="•"/>
             </a:pPr>
             <a:r>
-              <a:rPr lang="en-US" sz="2000" dirty="0" smtClean="0"/>
-              <a:t>More complicated situations:</a:t>
-            </a:r>
-          </a:p>
-          <a:p>
-            <a:pPr marL="800100" lvl="1" indent="-342900" algn="l">
-              <a:buFont typeface="Arial"/>
-              <a:buChar char="•"/>
-            </a:pPr>
-            <a:r>
-              <a:rPr lang="en-US" sz="1600" dirty="0" smtClean="0"/>
-              <a:t>Your app will plug into a hosted page, and you want to use </a:t>
-            </a:r>
-            <a:r>
-              <a:rPr lang="en-US" sz="1600" dirty="0" err="1" smtClean="0"/>
-              <a:t>jQuery</a:t>
-            </a:r>
-            <a:r>
-              <a:rPr lang="en-US" sz="1600" dirty="0" smtClean="0"/>
-              <a:t> </a:t>
-            </a:r>
-            <a:r>
-              <a:rPr lang="en-US" sz="1600" dirty="0"/>
-              <a:t>if </a:t>
-            </a:r>
-            <a:r>
-              <a:rPr lang="en-US" sz="1600" dirty="0" smtClean="0"/>
-              <a:t>already loaded </a:t>
-            </a:r>
-          </a:p>
-          <a:p>
-            <a:pPr marL="800100" lvl="1" indent="-342900" algn="l">
-              <a:buFont typeface="Arial"/>
-              <a:buChar char="•"/>
-            </a:pPr>
-            <a:r>
-              <a:rPr lang="en-US" sz="1600" dirty="0" smtClean="0"/>
-              <a:t>Some </a:t>
-            </a:r>
-            <a:r>
-              <a:rPr lang="en-US" sz="1600" dirty="0" err="1" smtClean="0"/>
-              <a:t>jQuery</a:t>
-            </a:r>
-            <a:r>
-              <a:rPr lang="en-US" sz="1600" dirty="0" smtClean="0"/>
-              <a:t> plugin you want to use depends on Underscore, but some Backbone plugin you're already using breaks if </a:t>
-            </a:r>
-            <a:r>
-              <a:rPr lang="en-US" sz="1600" dirty="0" err="1" smtClean="0"/>
-              <a:t>jQuery</a:t>
-            </a:r>
-            <a:r>
-              <a:rPr lang="en-US" sz="1600" dirty="0" smtClean="0"/>
-              <a:t> isn't loaded first</a:t>
-            </a:r>
+              <a:rPr lang="en-US" sz="2400" dirty="0" smtClean="0"/>
+              <a:t>Based on client domain, server may respond with error</a:t>
+            </a:r>
+            <a:endParaRPr lang="en-US" sz="2000" dirty="0" smtClean="0"/>
           </a:p>
           <a:p>
             <a:pPr marL="342900" indent="-342900" algn="l">
@@ -6921,31 +5194,21 @@
               <a:buChar char="•"/>
             </a:pPr>
             <a:r>
-              <a:rPr lang="en-US" sz="2000" dirty="0" smtClean="0"/>
-              <a:t>Script loaders are usually the solution to these problems</a:t>
-            </a:r>
-          </a:p>
-          <a:p>
-            <a:pPr marL="800100" lvl="1" indent="-342900" algn="l">
-              <a:buFont typeface="Arial"/>
-              <a:buChar char="•"/>
-            </a:pPr>
-            <a:r>
-              <a:rPr lang="en-US" sz="1600" dirty="0" err="1" smtClean="0"/>
-              <a:t>RequireJS</a:t>
-            </a:r>
-            <a:endParaRPr lang="en-US" sz="1600" dirty="0" smtClean="0"/>
-          </a:p>
-          <a:p>
-            <a:pPr marL="800100" lvl="1" indent="-342900" algn="l">
-              <a:buFont typeface="Arial"/>
-              <a:buChar char="•"/>
-            </a:pPr>
-            <a:r>
-              <a:rPr lang="en-US" sz="1600" dirty="0" err="1" smtClean="0"/>
-              <a:t>Webpack</a:t>
-            </a:r>
-            <a:endParaRPr lang="en-US" sz="1600" dirty="0" smtClean="0"/>
+              <a:rPr lang="en-US" sz="2400" dirty="0" smtClean="0"/>
+              <a:t>Or respond with </a:t>
+            </a:r>
+            <a:r>
+              <a:rPr lang="en-US" sz="2400" dirty="0" smtClean="0"/>
+              <a:t>Access</a:t>
+            </a:r>
+            <a:r>
+              <a:rPr lang="en-US" sz="2400" dirty="0"/>
+              <a:t>-Control-Allow-</a:t>
+            </a:r>
+            <a:r>
+              <a:rPr lang="en-US" sz="2400" dirty="0" smtClean="0"/>
+              <a:t>Origin header </a:t>
+            </a:r>
           </a:p>
           <a:p>
             <a:pPr marL="342900" indent="-342900" algn="l">
@@ -6953,8 +5216,8 @@
               <a:buChar char="•"/>
             </a:pPr>
             <a:r>
-              <a:rPr lang="en-US" sz="2000" dirty="0" smtClean="0"/>
-              <a:t>Backbone does not support AMD, so YMMV</a:t>
+              <a:rPr lang="en-US" sz="2400" dirty="0" smtClean="0"/>
+              <a:t>Listing acceptable origin sites (or wildcard for all)</a:t>
             </a:r>
           </a:p>
           <a:p>
@@ -6962,14 +5225,80 @@
               <a:buFont typeface="Arial"/>
               <a:buChar char="•"/>
             </a:pPr>
-            <a:endParaRPr lang="en-US" sz="2000" dirty="0"/>
+            <a:r>
+              <a:rPr lang="en-US" sz="2400" dirty="0" smtClean="0"/>
+              <a:t>Browser will allow access if ACAO matches</a:t>
+            </a:r>
+          </a:p>
+          <a:p>
+            <a:pPr marL="342900" indent="-342900" algn="l">
+              <a:buFont typeface="Arial"/>
+              <a:buChar char="•"/>
+            </a:pPr>
+            <a:r>
+              <a:rPr lang="en-US" sz="2400" dirty="0" smtClean="0"/>
+              <a:t>Except if *, no credentials allowed (HTTPS, SSL, cookies, </a:t>
+            </a:r>
+            <a:r>
+              <a:rPr lang="en-US" sz="2400" dirty="0" err="1" smtClean="0"/>
+              <a:t>etc</a:t>
+            </a:r>
+            <a:r>
+              <a:rPr lang="en-US" sz="2400" dirty="0" smtClean="0"/>
+              <a:t>)</a:t>
+            </a:r>
+          </a:p>
+          <a:p>
+            <a:pPr marL="342900" indent="-342900" algn="l">
+              <a:buFont typeface="Arial"/>
+              <a:buChar char="•"/>
+            </a:pPr>
+            <a:r>
+              <a:rPr lang="en-US" sz="2400" dirty="0"/>
+              <a:t>In some cases, browser may need to </a:t>
+            </a:r>
+            <a:r>
+              <a:rPr lang="en-US" sz="2400" dirty="0" smtClean="0"/>
+              <a:t>pre-send </a:t>
+            </a:r>
+            <a:r>
+              <a:rPr lang="en-US" sz="2400" dirty="0"/>
+              <a:t>HTTP OPTIONS </a:t>
+            </a:r>
+            <a:endParaRPr lang="en-US" sz="2400" dirty="0" smtClean="0"/>
+          </a:p>
+          <a:p>
+            <a:pPr marL="342900" indent="-342900" algn="l">
+              <a:buFont typeface="Arial"/>
+              <a:buChar char="•"/>
+            </a:pPr>
+            <a:r>
+              <a:rPr lang="en-US" sz="2400" dirty="0" smtClean="0"/>
+              <a:t>aka "</a:t>
+            </a:r>
+            <a:r>
+              <a:rPr lang="en-US" sz="2400" dirty="0" err="1" smtClean="0"/>
+              <a:t>preflighting</a:t>
+            </a:r>
+            <a:r>
+              <a:rPr lang="en-US" sz="2400" dirty="0" smtClean="0"/>
+              <a:t>", server responds with available resources</a:t>
+            </a:r>
+            <a:endParaRPr lang="en-US" sz="2400" dirty="0"/>
+          </a:p>
+          <a:p>
+            <a:pPr marL="342900" indent="-342900" algn="l">
+              <a:buFont typeface="Arial"/>
+              <a:buChar char="•"/>
+            </a:pPr>
+            <a:endParaRPr lang="en-US" sz="2400" dirty="0" smtClean="0"/>
           </a:p>
         </p:txBody>
       </p:sp>
     </p:spTree>
     <p:extLst>
       <p:ext uri="{BB962C8B-B14F-4D97-AF65-F5344CB8AC3E}">
-        <p14:creationId xmlns:p14="http://schemas.microsoft.com/office/powerpoint/2010/main" val="2049932579"/>
+        <p14:creationId xmlns:p14="http://schemas.microsoft.com/office/powerpoint/2010/main" val="3249640803"/>
       </p:ext>
     </p:extLst>
   </p:cSld>

--- a/slides/Node & Backbone Slides Day 2.pptx
+++ b/slides/Node & Backbone Slides Day 2.pptx
@@ -299,7 +299,7 @@
           <a:p>
             <a:fld id="{6BFECD78-3C8E-49F2-8FAB-59489D168ABB}" type="datetimeFigureOut">
               <a:rPr lang="en-US" smtClean="0"/>
-              <a:t>8/23/16</a:t>
+              <a:t>8/29/16</a:t>
             </a:fld>
             <a:endParaRPr lang="en-US"/>
           </a:p>
@@ -469,7 +469,7 @@
           <a:p>
             <a:fld id="{6BFECD78-3C8E-49F2-8FAB-59489D168ABB}" type="datetimeFigureOut">
               <a:rPr lang="en-US" smtClean="0"/>
-              <a:t>8/23/16</a:t>
+              <a:t>8/29/16</a:t>
             </a:fld>
             <a:endParaRPr lang="en-US"/>
           </a:p>
@@ -649,7 +649,7 @@
           <a:p>
             <a:fld id="{6BFECD78-3C8E-49F2-8FAB-59489D168ABB}" type="datetimeFigureOut">
               <a:rPr lang="en-US" smtClean="0"/>
-              <a:t>8/23/16</a:t>
+              <a:t>8/29/16</a:t>
             </a:fld>
             <a:endParaRPr lang="en-US"/>
           </a:p>
@@ -819,7 +819,7 @@
           <a:p>
             <a:fld id="{6BFECD78-3C8E-49F2-8FAB-59489D168ABB}" type="datetimeFigureOut">
               <a:rPr lang="en-US" smtClean="0"/>
-              <a:t>8/23/16</a:t>
+              <a:t>8/29/16</a:t>
             </a:fld>
             <a:endParaRPr lang="en-US"/>
           </a:p>
@@ -1065,7 +1065,7 @@
           <a:p>
             <a:fld id="{6BFECD78-3C8E-49F2-8FAB-59489D168ABB}" type="datetimeFigureOut">
               <a:rPr lang="en-US" smtClean="0"/>
-              <a:t>8/23/16</a:t>
+              <a:t>8/29/16</a:t>
             </a:fld>
             <a:endParaRPr lang="en-US"/>
           </a:p>
@@ -1353,7 +1353,7 @@
           <a:p>
             <a:fld id="{6BFECD78-3C8E-49F2-8FAB-59489D168ABB}" type="datetimeFigureOut">
               <a:rPr lang="en-US" smtClean="0"/>
-              <a:t>8/23/16</a:t>
+              <a:t>8/29/16</a:t>
             </a:fld>
             <a:endParaRPr lang="en-US"/>
           </a:p>
@@ -1775,7 +1775,7 @@
           <a:p>
             <a:fld id="{6BFECD78-3C8E-49F2-8FAB-59489D168ABB}" type="datetimeFigureOut">
               <a:rPr lang="en-US" smtClean="0"/>
-              <a:t>8/23/16</a:t>
+              <a:t>8/29/16</a:t>
             </a:fld>
             <a:endParaRPr lang="en-US"/>
           </a:p>
@@ -1893,7 +1893,7 @@
           <a:p>
             <a:fld id="{6BFECD78-3C8E-49F2-8FAB-59489D168ABB}" type="datetimeFigureOut">
               <a:rPr lang="en-US" smtClean="0"/>
-              <a:t>8/23/16</a:t>
+              <a:t>8/29/16</a:t>
             </a:fld>
             <a:endParaRPr lang="en-US"/>
           </a:p>
@@ -1988,7 +1988,7 @@
           <a:p>
             <a:fld id="{6BFECD78-3C8E-49F2-8FAB-59489D168ABB}" type="datetimeFigureOut">
               <a:rPr lang="en-US" smtClean="0"/>
-              <a:t>8/23/16</a:t>
+              <a:t>8/29/16</a:t>
             </a:fld>
             <a:endParaRPr lang="en-US"/>
           </a:p>
@@ -2265,7 +2265,7 @@
           <a:p>
             <a:fld id="{6BFECD78-3C8E-49F2-8FAB-59489D168ABB}" type="datetimeFigureOut">
               <a:rPr lang="en-US" smtClean="0"/>
-              <a:t>8/23/16</a:t>
+              <a:t>8/29/16</a:t>
             </a:fld>
             <a:endParaRPr lang="en-US"/>
           </a:p>
@@ -2522,7 +2522,7 @@
           <a:p>
             <a:fld id="{6BFECD78-3C8E-49F2-8FAB-59489D168ABB}" type="datetimeFigureOut">
               <a:rPr lang="en-US" smtClean="0"/>
-              <a:t>8/23/16</a:t>
+              <a:t>8/29/16</a:t>
             </a:fld>
             <a:endParaRPr lang="en-US"/>
           </a:p>
@@ -2735,7 +2735,7 @@
           <a:p>
             <a:fld id="{6BFECD78-3C8E-49F2-8FAB-59489D168ABB}" type="datetimeFigureOut">
               <a:rPr lang="en-US" smtClean="0"/>
-              <a:t>8/23/16</a:t>
+              <a:t>8/29/16</a:t>
             </a:fld>
             <a:endParaRPr lang="en-US"/>
           </a:p>
@@ -3460,25 +3460,17 @@
             </a:pPr>
             <a:r>
               <a:rPr lang="en-US" sz="2400" dirty="0" smtClean="0"/>
-              <a:t>Did I mention it's simple? </a:t>
-            </a:r>
-            <a:r>
-              <a:rPr lang="en-US" sz="2400" dirty="0" smtClean="0"/>
-              <a:t>Opposite of SOAP</a:t>
-            </a:r>
-          </a:p>
-          <a:p>
-            <a:pPr marL="342900" indent="-342900" algn="l">
-              <a:buFont typeface="Arial"/>
-              <a:buChar char="•"/>
-            </a:pPr>
-            <a:r>
-              <a:rPr lang="en-US" sz="2400" dirty="0" smtClean="0"/>
-              <a:t>Start </a:t>
-            </a:r>
-            <a:r>
-              <a:rPr lang="en-US" sz="2400" dirty="0" smtClean="0"/>
-              <a:t>with a GET to </a:t>
+              <a:t>Did I mention it's simple? Opposite of SOAP</a:t>
+            </a:r>
+          </a:p>
+          <a:p>
+            <a:pPr marL="342900" indent="-342900" algn="l">
+              <a:buFont typeface="Arial"/>
+              <a:buChar char="•"/>
+            </a:pPr>
+            <a:r>
+              <a:rPr lang="en-US" sz="2400" dirty="0" smtClean="0"/>
+              <a:t>Start with a GET to </a:t>
             </a:r>
             <a:r>
               <a:rPr lang="en-US" sz="2400" dirty="0"/>
@@ -3518,7 +3510,6 @@
               <a:rPr lang="en-US" sz="2400" dirty="0" smtClean="0"/>
               <a:t>Or GET a collection property as a nested resource</a:t>
             </a:r>
-            <a:endParaRPr lang="en-US" sz="2400" dirty="0" smtClean="0"/>
           </a:p>
         </p:txBody>
       </p:sp>
@@ -3746,11 +3737,7 @@
             </a:pPr>
             <a:r>
               <a:rPr lang="en-US" sz="1600" dirty="0" smtClean="0"/>
-              <a:t>Review day </a:t>
-            </a:r>
-            <a:r>
-              <a:rPr lang="en-US" sz="1600" dirty="0" smtClean="0"/>
-              <a:t>one</a:t>
+              <a:t>Review day one</a:t>
             </a:r>
           </a:p>
           <a:p>
@@ -3763,12 +3750,12 @@
               <a:t>Express </a:t>
             </a:r>
             <a:r>
-              <a:rPr lang="en-US" sz="1600" dirty="0" err="1" smtClean="0"/>
-              <a:t>Erro</a:t>
-            </a:r>
-            <a:r>
               <a:rPr lang="en-US" sz="1600" dirty="0" smtClean="0"/>
-              <a:t> Handling</a:t>
+              <a:t>Error </a:t>
+            </a:r>
+            <a:r>
+              <a:rPr lang="en-US" sz="1600" dirty="0" smtClean="0"/>
+              <a:t>Handling</a:t>
             </a:r>
           </a:p>
           <a:p>
@@ -3890,7 +3877,6 @@
               <a:rPr lang="en-US" sz="1600" dirty="0" smtClean="0"/>
               <a:t>API</a:t>
             </a:r>
-            <a:endParaRPr lang="en-US" sz="1600" dirty="0" smtClean="0"/>
           </a:p>
         </p:txBody>
       </p:sp>
@@ -4479,7 +4465,6 @@
               <a:rPr lang="en-US" sz="2400" dirty="0" smtClean="0"/>
               <a:t>;</a:t>
             </a:r>
-            <a:endParaRPr lang="en-US" sz="2400" dirty="0" smtClean="0"/>
           </a:p>
         </p:txBody>
       </p:sp>
@@ -4914,7 +4899,6 @@
               <a:rPr lang="en-US" sz="2400" dirty="0" smtClean="0"/>
               <a:t>, then lunch</a:t>
             </a:r>
-            <a:endParaRPr lang="en-US" sz="2400" dirty="0" smtClean="0"/>
           </a:p>
         </p:txBody>
       </p:sp>
@@ -5067,7 +5051,6 @@
               <a:rPr lang="en-US" sz="2400" dirty="0" smtClean="0"/>
               <a:t>but CORS is The Right Way</a:t>
             </a:r>
-            <a:endParaRPr lang="en-US" sz="2400" dirty="0" smtClean="0"/>
           </a:p>
         </p:txBody>
       </p:sp>
@@ -5195,11 +5178,7 @@
             </a:pPr>
             <a:r>
               <a:rPr lang="en-US" sz="2400" dirty="0" smtClean="0"/>
-              <a:t>Or respond with </a:t>
-            </a:r>
-            <a:r>
-              <a:rPr lang="en-US" sz="2400" dirty="0" smtClean="0"/>
-              <a:t>Access</a:t>
+              <a:t>Or respond with Access</a:t>
             </a:r>
             <a:r>
               <a:rPr lang="en-US" sz="2400" dirty="0"/>
